--- a/documentation/Презентація_стильова.pptx
+++ b/documentation/Презентація_стильова.pptx
@@ -9,17 +9,21 @@
     <p:sldId id="257" r:id="rId3"/>
     <p:sldId id="258" r:id="rId4"/>
     <p:sldId id="259" r:id="rId5"/>
-    <p:sldId id="260" r:id="rId6"/>
-    <p:sldId id="271" r:id="rId7"/>
-    <p:sldId id="261" r:id="rId8"/>
-    <p:sldId id="262" r:id="rId9"/>
-    <p:sldId id="263" r:id="rId10"/>
-    <p:sldId id="264" r:id="rId11"/>
-    <p:sldId id="265" r:id="rId12"/>
-    <p:sldId id="266" r:id="rId13"/>
-    <p:sldId id="267" r:id="rId14"/>
-    <p:sldId id="268" r:id="rId15"/>
-    <p:sldId id="269" r:id="rId16"/>
+    <p:sldId id="272" r:id="rId6"/>
+    <p:sldId id="273" r:id="rId7"/>
+    <p:sldId id="274" r:id="rId8"/>
+    <p:sldId id="275" r:id="rId9"/>
+    <p:sldId id="260" r:id="rId10"/>
+    <p:sldId id="271" r:id="rId11"/>
+    <p:sldId id="261" r:id="rId12"/>
+    <p:sldId id="262" r:id="rId13"/>
+    <p:sldId id="263" r:id="rId14"/>
+    <p:sldId id="264" r:id="rId15"/>
+    <p:sldId id="265" r:id="rId16"/>
+    <p:sldId id="266" r:id="rId17"/>
+    <p:sldId id="267" r:id="rId18"/>
+    <p:sldId id="268" r:id="rId19"/>
+    <p:sldId id="269" r:id="rId20"/>
   </p:sldIdLst>
   <p:sldSz cx="9144000" cy="6858000" type="screen4x3"/>
   <p:notesSz cx="6858000" cy="9144000"/>
@@ -316,7 +320,7 @@
           <a:p>
             <a:fld id="{5BCAD085-E8A6-8845-BD4E-CB4CCA059FC4}" type="datetimeFigureOut">
               <a:rPr lang="en-US" smtClean="0"/>
-              <a:t>11/23/2025</a:t>
+              <a:t>11/24/2025</a:t>
             </a:fld>
             <a:endParaRPr lang="en-US"/>
           </a:p>
@@ -484,7 +488,7 @@
           <a:p>
             <a:fld id="{5BCAD085-E8A6-8845-BD4E-CB4CCA059FC4}" type="datetimeFigureOut">
               <a:rPr lang="en-US" smtClean="0"/>
-              <a:t>11/23/2025</a:t>
+              <a:t>11/24/2025</a:t>
             </a:fld>
             <a:endParaRPr lang="en-US"/>
           </a:p>
@@ -662,7 +666,7 @@
           <a:p>
             <a:fld id="{5BCAD085-E8A6-8845-BD4E-CB4CCA059FC4}" type="datetimeFigureOut">
               <a:rPr lang="en-US" smtClean="0"/>
-              <a:t>11/23/2025</a:t>
+              <a:t>11/24/2025</a:t>
             </a:fld>
             <a:endParaRPr lang="en-US"/>
           </a:p>
@@ -830,7 +834,7 @@
           <a:p>
             <a:fld id="{5BCAD085-E8A6-8845-BD4E-CB4CCA059FC4}" type="datetimeFigureOut">
               <a:rPr lang="en-US" smtClean="0"/>
-              <a:t>11/23/2025</a:t>
+              <a:t>11/24/2025</a:t>
             </a:fld>
             <a:endParaRPr lang="en-US"/>
           </a:p>
@@ -1075,7 +1079,7 @@
           <a:p>
             <a:fld id="{5BCAD085-E8A6-8845-BD4E-CB4CCA059FC4}" type="datetimeFigureOut">
               <a:rPr lang="en-US" smtClean="0"/>
-              <a:t>11/23/2025</a:t>
+              <a:t>11/24/2025</a:t>
             </a:fld>
             <a:endParaRPr lang="en-US"/>
           </a:p>
@@ -1360,7 +1364,7 @@
           <a:p>
             <a:fld id="{5BCAD085-E8A6-8845-BD4E-CB4CCA059FC4}" type="datetimeFigureOut">
               <a:rPr lang="en-US" smtClean="0"/>
-              <a:t>11/23/2025</a:t>
+              <a:t>11/24/2025</a:t>
             </a:fld>
             <a:endParaRPr lang="en-US"/>
           </a:p>
@@ -1779,7 +1783,7 @@
           <a:p>
             <a:fld id="{5BCAD085-E8A6-8845-BD4E-CB4CCA059FC4}" type="datetimeFigureOut">
               <a:rPr lang="en-US" smtClean="0"/>
-              <a:t>11/23/2025</a:t>
+              <a:t>11/24/2025</a:t>
             </a:fld>
             <a:endParaRPr lang="en-US"/>
           </a:p>
@@ -1896,7 +1900,7 @@
           <a:p>
             <a:fld id="{5BCAD085-E8A6-8845-BD4E-CB4CCA059FC4}" type="datetimeFigureOut">
               <a:rPr lang="en-US" smtClean="0"/>
-              <a:t>11/23/2025</a:t>
+              <a:t>11/24/2025</a:t>
             </a:fld>
             <a:endParaRPr lang="en-US"/>
           </a:p>
@@ -1991,7 +1995,7 @@
           <a:p>
             <a:fld id="{5BCAD085-E8A6-8845-BD4E-CB4CCA059FC4}" type="datetimeFigureOut">
               <a:rPr lang="en-US" smtClean="0"/>
-              <a:t>11/23/2025</a:t>
+              <a:t>11/24/2025</a:t>
             </a:fld>
             <a:endParaRPr lang="en-US"/>
           </a:p>
@@ -2266,7 +2270,7 @@
           <a:p>
             <a:fld id="{5BCAD085-E8A6-8845-BD4E-CB4CCA059FC4}" type="datetimeFigureOut">
               <a:rPr lang="en-US" smtClean="0"/>
-              <a:t>11/23/2025</a:t>
+              <a:t>11/24/2025</a:t>
             </a:fld>
             <a:endParaRPr lang="en-US"/>
           </a:p>
@@ -2518,7 +2522,7 @@
           <a:p>
             <a:fld id="{5BCAD085-E8A6-8845-BD4E-CB4CCA059FC4}" type="datetimeFigureOut">
               <a:rPr lang="en-US" smtClean="0"/>
-              <a:t>11/23/2025</a:t>
+              <a:t>11/24/2025</a:t>
             </a:fld>
             <a:endParaRPr lang="en-US"/>
           </a:p>
@@ -2729,7 +2733,7 @@
           <a:p>
             <a:fld id="{5BCAD085-E8A6-8845-BD4E-CB4CCA059FC4}" type="datetimeFigureOut">
               <a:rPr lang="en-US" smtClean="0"/>
-              <a:t>11/23/2025</a:t>
+              <a:t>11/24/2025</a:t>
             </a:fld>
             <a:endParaRPr lang="en-US"/>
           </a:p>
@@ -3320,6 +3324,920 @@
       </p:grpSpPr>
       <p:pic>
         <p:nvPicPr>
+          <p:cNvPr id="10" name="Рисунок 9">
+            <a:extLst>
+              <a:ext uri="{FF2B5EF4-FFF2-40B4-BE49-F238E27FC236}">
+                <a16:creationId xmlns:a16="http://schemas.microsoft.com/office/drawing/2014/main" id="{4624A424-B496-4D04-AE6A-AB75C7253726}"/>
+              </a:ext>
+            </a:extLst>
+          </p:cNvPr>
+          <p:cNvPicPr/>
+          <p:nvPr/>
+        </p:nvPicPr>
+        <p:blipFill>
+          <a:blip r:embed="rId2"/>
+          <a:stretch>
+            <a:fillRect/>
+          </a:stretch>
+        </p:blipFill>
+        <p:spPr>
+          <a:xfrm>
+            <a:off x="6745519" y="349134"/>
+            <a:ext cx="1957908" cy="5556019"/>
+          </a:xfrm>
+          <a:prstGeom prst="rect">
+            <a:avLst/>
+          </a:prstGeom>
+        </p:spPr>
+      </p:pic>
+      <p:pic>
+        <p:nvPicPr>
+          <p:cNvPr id="11" name="Рисунок 10">
+            <a:extLst>
+              <a:ext uri="{FF2B5EF4-FFF2-40B4-BE49-F238E27FC236}">
+                <a16:creationId xmlns:a16="http://schemas.microsoft.com/office/drawing/2014/main" id="{9EE0591F-002E-42AB-AE57-498E0146D2DD}"/>
+              </a:ext>
+            </a:extLst>
+          </p:cNvPr>
+          <p:cNvPicPr/>
+          <p:nvPr/>
+        </p:nvPicPr>
+        <p:blipFill>
+          <a:blip r:embed="rId3"/>
+          <a:stretch>
+            <a:fillRect/>
+          </a:stretch>
+        </p:blipFill>
+        <p:spPr>
+          <a:xfrm>
+            <a:off x="99753" y="208083"/>
+            <a:ext cx="2543695" cy="5203801"/>
+          </a:xfrm>
+          <a:prstGeom prst="rect">
+            <a:avLst/>
+          </a:prstGeom>
+        </p:spPr>
+      </p:pic>
+      <p:pic>
+        <p:nvPicPr>
+          <p:cNvPr id="3" name="Рисунок 2">
+            <a:extLst>
+              <a:ext uri="{FF2B5EF4-FFF2-40B4-BE49-F238E27FC236}">
+                <a16:creationId xmlns:a16="http://schemas.microsoft.com/office/drawing/2014/main" id="{CFE0266D-25D6-4EEA-9D81-28B03B11ED12}"/>
+              </a:ext>
+            </a:extLst>
+          </p:cNvPr>
+          <p:cNvPicPr>
+            <a:picLocks noChangeAspect="1"/>
+          </p:cNvPicPr>
+          <p:nvPr/>
+        </p:nvPicPr>
+        <p:blipFill>
+          <a:blip r:embed="rId4"/>
+          <a:stretch>
+            <a:fillRect/>
+          </a:stretch>
+        </p:blipFill>
+        <p:spPr>
+          <a:xfrm>
+            <a:off x="1747973" y="34765"/>
+            <a:ext cx="1790950" cy="628738"/>
+          </a:xfrm>
+          <a:prstGeom prst="rect">
+            <a:avLst/>
+          </a:prstGeom>
+        </p:spPr>
+      </p:pic>
+      <p:pic>
+        <p:nvPicPr>
+          <p:cNvPr id="6" name="Рисунок 5">
+            <a:extLst>
+              <a:ext uri="{FF2B5EF4-FFF2-40B4-BE49-F238E27FC236}">
+                <a16:creationId xmlns:a16="http://schemas.microsoft.com/office/drawing/2014/main" id="{5D914476-3C90-413E-9517-E162B281C004}"/>
+              </a:ext>
+            </a:extLst>
+          </p:cNvPr>
+          <p:cNvPicPr>
+            <a:picLocks noChangeAspect="1"/>
+          </p:cNvPicPr>
+          <p:nvPr/>
+        </p:nvPicPr>
+        <p:blipFill>
+          <a:blip r:embed="rId5"/>
+          <a:stretch>
+            <a:fillRect/>
+          </a:stretch>
+        </p:blipFill>
+        <p:spPr>
+          <a:xfrm>
+            <a:off x="3500288" y="103252"/>
+            <a:ext cx="2143424" cy="5687219"/>
+          </a:xfrm>
+          <a:prstGeom prst="rect">
+            <a:avLst/>
+          </a:prstGeom>
+        </p:spPr>
+      </p:pic>
+    </p:spTree>
+    <p:extLst>
+      <p:ext uri="{BB962C8B-B14F-4D97-AF65-F5344CB8AC3E}">
+        <p14:creationId xmlns:p14="http://schemas.microsoft.com/office/powerpoint/2010/main" val="3581835001"/>
+      </p:ext>
+    </p:extLst>
+  </p:cSld>
+  <p:clrMapOvr>
+    <a:masterClrMapping/>
+  </p:clrMapOvr>
+</p:sld>
+</file>
+
+<file path=ppt/slides/slide11.xml><?xml version="1.0" encoding="utf-8"?>
+<p:sld xmlns:a="http://schemas.openxmlformats.org/drawingml/2006/main" xmlns:r="http://schemas.openxmlformats.org/officeDocument/2006/relationships" xmlns:p="http://schemas.openxmlformats.org/presentationml/2006/main">
+  <p:cSld>
+    <p:spTree>
+      <p:nvGrpSpPr>
+        <p:cNvPr id="1" name=""/>
+        <p:cNvGrpSpPr/>
+        <p:nvPr/>
+      </p:nvGrpSpPr>
+      <p:grpSpPr>
+        <a:xfrm>
+          <a:off x="0" y="0"/>
+          <a:ext cx="0" cy="0"/>
+          <a:chOff x="0" y="0"/>
+          <a:chExt cx="0" cy="0"/>
+        </a:xfrm>
+      </p:grpSpPr>
+      <p:sp>
+        <p:nvSpPr>
+          <p:cNvPr id="2" name="Title 1"/>
+          <p:cNvSpPr>
+            <a:spLocks noGrp="1"/>
+          </p:cNvSpPr>
+          <p:nvPr>
+            <p:ph type="title"/>
+          </p:nvPr>
+        </p:nvSpPr>
+        <p:spPr/>
+        <p:txBody>
+          <a:bodyPr/>
+          <a:lstStyle/>
+          <a:p>
+            <a:r>
+              <a:rPr sz="3600" b="1">
+                <a:latin typeface="Calibri"/>
+              </a:rPr>
+              <a:t>Класи бізнес-логіки</a:t>
+            </a:r>
+          </a:p>
+        </p:txBody>
+      </p:sp>
+      <p:sp>
+        <p:nvSpPr>
+          <p:cNvPr id="3" name="Content Placeholder 2"/>
+          <p:cNvSpPr>
+            <a:spLocks noGrp="1"/>
+          </p:cNvSpPr>
+          <p:nvPr>
+            <p:ph idx="1"/>
+          </p:nvPr>
+        </p:nvSpPr>
+        <p:spPr/>
+        <p:txBody>
+          <a:bodyPr/>
+          <a:lstStyle/>
+          <a:p>
+            <a:pPr algn="just">
+              <a:lnSpc>
+                <a:spcPct val="150000"/>
+              </a:lnSpc>
+              <a:buSzPts val="1400"/>
+            </a:pPr>
+            <a:r>
+              <a:rPr lang="en-US" sz="1800" spc="0" dirty="0">
+                <a:effectLst/>
+                <a:latin typeface="+mj-lt"/>
+                <a:ea typeface="Arial" panose="020B0604020202020204" pitchFamily="34" charset="0"/>
+                <a:cs typeface="Arial" panose="020B0604020202020204" pitchFamily="34" charset="0"/>
+              </a:rPr>
+              <a:t>Vehicle</a:t>
+            </a:r>
+            <a:r>
+              <a:rPr lang="ru-RU" sz="1800" spc="0" dirty="0">
+                <a:effectLst/>
+                <a:latin typeface="+mj-lt"/>
+                <a:ea typeface="Arial" panose="020B0604020202020204" pitchFamily="34" charset="0"/>
+                <a:cs typeface="Arial" panose="020B0604020202020204" pitchFamily="34" charset="0"/>
+              </a:rPr>
+              <a:t> – </a:t>
+            </a:r>
+            <a:r>
+              <a:rPr lang="uk-UA" sz="1800" spc="0" dirty="0">
+                <a:effectLst/>
+                <a:latin typeface="+mj-lt"/>
+                <a:ea typeface="Arial" panose="020B0604020202020204" pitchFamily="34" charset="0"/>
+                <a:cs typeface="Arial" panose="020B0604020202020204" pitchFamily="34" charset="0"/>
+              </a:rPr>
+              <a:t>абстрактний клас що представляє транспортний засіб, у якому оголошені основні методи для дочірніх класів</a:t>
+            </a:r>
+            <a:r>
+              <a:rPr lang="ru-RU" sz="1800" spc="0" dirty="0">
+                <a:effectLst/>
+                <a:latin typeface="+mj-lt"/>
+                <a:ea typeface="Arial" panose="020B0604020202020204" pitchFamily="34" charset="0"/>
+                <a:cs typeface="Arial" panose="020B0604020202020204" pitchFamily="34" charset="0"/>
+              </a:rPr>
+              <a:t>.</a:t>
+            </a:r>
+            <a:endParaRPr lang="uk-UA" sz="1800" spc="0" dirty="0">
+              <a:effectLst/>
+              <a:latin typeface="+mj-lt"/>
+              <a:ea typeface="Arial" panose="020B0604020202020204" pitchFamily="34" charset="0"/>
+              <a:cs typeface="Arial" panose="020B0604020202020204" pitchFamily="34" charset="0"/>
+            </a:endParaRPr>
+          </a:p>
+          <a:p>
+            <a:pPr algn="just">
+              <a:lnSpc>
+                <a:spcPct val="150000"/>
+              </a:lnSpc>
+              <a:buSzPts val="1400"/>
+            </a:pPr>
+            <a:r>
+              <a:rPr lang="en-US" sz="1800" spc="0" dirty="0">
+                <a:effectLst/>
+                <a:latin typeface="+mj-lt"/>
+                <a:ea typeface="Arial" panose="020B0604020202020204" pitchFamily="34" charset="0"/>
+                <a:cs typeface="Arial" panose="020B0604020202020204" pitchFamily="34" charset="0"/>
+              </a:rPr>
+              <a:t>Car </a:t>
+            </a:r>
+            <a:r>
+              <a:rPr lang="uk-UA" sz="1800" spc="0" dirty="0">
+                <a:effectLst/>
+                <a:latin typeface="+mj-lt"/>
+                <a:ea typeface="Arial" panose="020B0604020202020204" pitchFamily="34" charset="0"/>
+                <a:cs typeface="Arial" panose="020B0604020202020204" pitchFamily="34" charset="0"/>
+              </a:rPr>
+              <a:t>– клас нащадок </a:t>
+            </a:r>
+            <a:r>
+              <a:rPr lang="en-US" sz="1800" spc="0" dirty="0">
+                <a:effectLst/>
+                <a:latin typeface="+mj-lt"/>
+                <a:ea typeface="Arial" panose="020B0604020202020204" pitchFamily="34" charset="0"/>
+                <a:cs typeface="Arial" panose="020B0604020202020204" pitchFamily="34" charset="0"/>
+              </a:rPr>
+              <a:t>Vehicle</a:t>
+            </a:r>
+            <a:r>
+              <a:rPr lang="uk-UA" sz="1800" spc="0" dirty="0">
+                <a:effectLst/>
+                <a:latin typeface="+mj-lt"/>
+                <a:ea typeface="Arial" panose="020B0604020202020204" pitchFamily="34" charset="0"/>
+                <a:cs typeface="Arial" panose="020B0604020202020204" pitchFamily="34" charset="0"/>
+              </a:rPr>
+              <a:t>, клас що представляє автомобіль.</a:t>
+            </a:r>
+          </a:p>
+          <a:p>
+            <a:pPr algn="just">
+              <a:lnSpc>
+                <a:spcPct val="150000"/>
+              </a:lnSpc>
+              <a:buSzPts val="1400"/>
+            </a:pPr>
+            <a:r>
+              <a:rPr lang="ru-RU" sz="1800" spc="0" dirty="0">
+                <a:effectLst/>
+                <a:latin typeface="+mj-lt"/>
+                <a:ea typeface="Arial" panose="020B0604020202020204" pitchFamily="34" charset="0"/>
+                <a:cs typeface="Arial" panose="020B0604020202020204" pitchFamily="34" charset="0"/>
+              </a:rPr>
+              <a:t>Configuration – </a:t>
+            </a:r>
+            <a:r>
+              <a:rPr lang="uk-UA" sz="1800" spc="0" dirty="0">
+                <a:effectLst/>
+                <a:latin typeface="+mj-lt"/>
+                <a:ea typeface="Arial" panose="020B0604020202020204" pitchFamily="34" charset="0"/>
+                <a:cs typeface="Arial" panose="020B0604020202020204" pitchFamily="34" charset="0"/>
+              </a:rPr>
+              <a:t>клас нащадок </a:t>
+            </a:r>
+            <a:r>
+              <a:rPr lang="en-US" sz="1800" spc="0" dirty="0">
+                <a:effectLst/>
+                <a:latin typeface="+mj-lt"/>
+                <a:ea typeface="Arial" panose="020B0604020202020204" pitchFamily="34" charset="0"/>
+                <a:cs typeface="Arial" panose="020B0604020202020204" pitchFamily="34" charset="0"/>
+              </a:rPr>
+              <a:t>Vehicle</a:t>
+            </a:r>
+            <a:r>
+              <a:rPr lang="uk-UA" sz="1800" spc="0" dirty="0">
+                <a:effectLst/>
+                <a:latin typeface="+mj-lt"/>
+                <a:ea typeface="Arial" panose="020B0604020202020204" pitchFamily="34" charset="0"/>
+                <a:cs typeface="Arial" panose="020B0604020202020204" pitchFamily="34" charset="0"/>
+              </a:rPr>
+              <a:t>, який описує конфігурацію автомобілів.</a:t>
+            </a:r>
+          </a:p>
+          <a:p>
+            <a:pPr algn="just">
+              <a:lnSpc>
+                <a:spcPct val="150000"/>
+              </a:lnSpc>
+              <a:buSzPts val="1400"/>
+            </a:pPr>
+            <a:r>
+              <a:rPr lang="ru-RU" sz="1800" spc="0" dirty="0" err="1">
+                <a:effectLst/>
+                <a:latin typeface="+mj-lt"/>
+                <a:ea typeface="Arial" panose="020B0604020202020204" pitchFamily="34" charset="0"/>
+                <a:cs typeface="Arial" panose="020B0604020202020204" pitchFamily="34" charset="0"/>
+              </a:rPr>
+              <a:t>CarManager</a:t>
+            </a:r>
+            <a:r>
+              <a:rPr lang="ru-RU" sz="1800" spc="0" dirty="0">
+                <a:effectLst/>
+                <a:latin typeface="+mj-lt"/>
+                <a:ea typeface="Arial" panose="020B0604020202020204" pitchFamily="34" charset="0"/>
+                <a:cs typeface="Arial" panose="020B0604020202020204" pitchFamily="34" charset="0"/>
+              </a:rPr>
+              <a:t> – </a:t>
+            </a:r>
+            <a:r>
+              <a:rPr lang="uk-UA" sz="1800" spc="0" dirty="0">
+                <a:effectLst/>
+                <a:latin typeface="+mj-lt"/>
+                <a:ea typeface="Arial" panose="020B0604020202020204" pitchFamily="34" charset="0"/>
+                <a:cs typeface="Arial" panose="020B0604020202020204" pitchFamily="34" charset="0"/>
+              </a:rPr>
+              <a:t>клас нащадок </a:t>
+            </a:r>
+            <a:r>
+              <a:rPr lang="en-US" sz="1800" spc="0" dirty="0">
+                <a:effectLst/>
+                <a:latin typeface="+mj-lt"/>
+                <a:ea typeface="Arial" panose="020B0604020202020204" pitchFamily="34" charset="0"/>
+                <a:cs typeface="Arial" panose="020B0604020202020204" pitchFamily="34" charset="0"/>
+              </a:rPr>
+              <a:t>Car</a:t>
+            </a:r>
+            <a:r>
+              <a:rPr lang="uk-UA" sz="1800" spc="0" dirty="0">
+                <a:effectLst/>
+                <a:latin typeface="+mj-lt"/>
+                <a:ea typeface="Arial" panose="020B0604020202020204" pitchFamily="34" charset="0"/>
+                <a:cs typeface="Arial" panose="020B0604020202020204" pitchFamily="34" charset="0"/>
+              </a:rPr>
+              <a:t>, менеджер-клас для керування колекцією автомобілів. Реалізує всю бізнес-логіку програми: CRUD-операції, завантаження/збереження, пошук, сортування, фільтрацію та аналітику.</a:t>
+            </a:r>
+          </a:p>
+          <a:p>
+            <a:pPr algn="just">
+              <a:lnSpc>
+                <a:spcPct val="150000"/>
+              </a:lnSpc>
+              <a:buSzPts val="1400"/>
+            </a:pPr>
+            <a:r>
+              <a:rPr lang="ru-RU" sz="1800" spc="0" dirty="0" err="1">
+                <a:effectLst/>
+                <a:latin typeface="+mj-lt"/>
+                <a:ea typeface="Arial" panose="020B0604020202020204" pitchFamily="34" charset="0"/>
+                <a:cs typeface="Arial" panose="020B0604020202020204" pitchFamily="34" charset="0"/>
+              </a:rPr>
+              <a:t>AuthManager</a:t>
+            </a:r>
+            <a:r>
+              <a:rPr lang="ru-RU" sz="1800" spc="0" dirty="0">
+                <a:effectLst/>
+                <a:latin typeface="+mj-lt"/>
+                <a:ea typeface="Arial" panose="020B0604020202020204" pitchFamily="34" charset="0"/>
+                <a:cs typeface="Arial" panose="020B0604020202020204" pitchFamily="34" charset="0"/>
+              </a:rPr>
+              <a:t> – </a:t>
+            </a:r>
+            <a:r>
+              <a:rPr lang="uk-UA" sz="1800" spc="0" dirty="0">
+                <a:effectLst/>
+                <a:latin typeface="+mj-lt"/>
+                <a:ea typeface="Arial" panose="020B0604020202020204" pitchFamily="34" charset="0"/>
+                <a:cs typeface="Arial" panose="020B0604020202020204" pitchFamily="34" charset="0"/>
+              </a:rPr>
+              <a:t>клас для управління авторизаціє</a:t>
+            </a:r>
+            <a:r>
+              <a:rPr lang="ru-RU" sz="1800" spc="0" dirty="0">
+                <a:effectLst/>
+                <a:latin typeface="+mj-lt"/>
+                <a:ea typeface="Arial" panose="020B0604020202020204" pitchFamily="34" charset="0"/>
+                <a:cs typeface="Arial" panose="020B0604020202020204" pitchFamily="34" charset="0"/>
+              </a:rPr>
+              <a:t>.</a:t>
+            </a:r>
+            <a:endParaRPr lang="uk-UA" sz="1800" spc="0" dirty="0">
+              <a:effectLst/>
+              <a:latin typeface="+mj-lt"/>
+              <a:ea typeface="Arial" panose="020B0604020202020204" pitchFamily="34" charset="0"/>
+              <a:cs typeface="Arial" panose="020B0604020202020204" pitchFamily="34" charset="0"/>
+            </a:endParaRPr>
+          </a:p>
+          <a:p>
+            <a:pPr algn="just">
+              <a:lnSpc>
+                <a:spcPct val="150000"/>
+              </a:lnSpc>
+              <a:buSzPts val="1400"/>
+            </a:pPr>
+            <a:r>
+              <a:rPr lang="ru-RU" sz="1800" spc="0" dirty="0" err="1">
+                <a:effectLst/>
+                <a:latin typeface="+mj-lt"/>
+                <a:ea typeface="Arial" panose="020B0604020202020204" pitchFamily="34" charset="0"/>
+                <a:cs typeface="Arial" panose="020B0604020202020204" pitchFamily="34" charset="0"/>
+              </a:rPr>
+              <a:t>IPrintable</a:t>
+            </a:r>
+            <a:r>
+              <a:rPr lang="ru-RU" sz="1800" spc="0" dirty="0">
+                <a:effectLst/>
+                <a:latin typeface="+mj-lt"/>
+                <a:ea typeface="Arial" panose="020B0604020202020204" pitchFamily="34" charset="0"/>
+                <a:cs typeface="Arial" panose="020B0604020202020204" pitchFamily="34" charset="0"/>
+              </a:rPr>
+              <a:t> – </a:t>
+            </a:r>
+            <a:r>
+              <a:rPr lang="uk-UA" sz="1800" spc="0" dirty="0">
+                <a:effectLst/>
+                <a:latin typeface="+mj-lt"/>
+                <a:ea typeface="Arial" panose="020B0604020202020204" pitchFamily="34" charset="0"/>
+                <a:cs typeface="Arial" panose="020B0604020202020204" pitchFamily="34" charset="0"/>
+              </a:rPr>
+              <a:t>клас інтерфейс всі класи що наслідують його </a:t>
+            </a:r>
+            <a:r>
+              <a:rPr lang="uk-UA" sz="1800" spc="0" dirty="0" err="1">
+                <a:effectLst/>
+                <a:latin typeface="+mj-lt"/>
+                <a:ea typeface="Arial" panose="020B0604020202020204" pitchFamily="34" charset="0"/>
+                <a:cs typeface="Arial" panose="020B0604020202020204" pitchFamily="34" charset="0"/>
+              </a:rPr>
+              <a:t>зообовязанні</a:t>
+            </a:r>
+            <a:r>
+              <a:rPr lang="uk-UA" sz="1800" spc="0" dirty="0">
+                <a:effectLst/>
+                <a:latin typeface="+mj-lt"/>
+                <a:ea typeface="Arial" panose="020B0604020202020204" pitchFamily="34" charset="0"/>
+                <a:cs typeface="Arial" panose="020B0604020202020204" pitchFamily="34" charset="0"/>
+              </a:rPr>
+              <a:t> представити реалізацію методів </a:t>
+            </a:r>
+            <a:r>
+              <a:rPr lang="en-US" sz="1800" spc="0" dirty="0">
+                <a:effectLst/>
+                <a:latin typeface="+mj-lt"/>
+                <a:ea typeface="Arial" panose="020B0604020202020204" pitchFamily="34" charset="0"/>
+                <a:cs typeface="Arial" panose="020B0604020202020204" pitchFamily="34" charset="0"/>
+              </a:rPr>
+              <a:t>Print() and </a:t>
+            </a:r>
+            <a:r>
+              <a:rPr lang="en-US" sz="1800" spc="0" dirty="0" err="1">
+                <a:effectLst/>
+                <a:latin typeface="+mj-lt"/>
+                <a:ea typeface="Arial" panose="020B0604020202020204" pitchFamily="34" charset="0"/>
+                <a:cs typeface="Arial" panose="020B0604020202020204" pitchFamily="34" charset="0"/>
+              </a:rPr>
+              <a:t>ToCSV</a:t>
+            </a:r>
+            <a:r>
+              <a:rPr lang="en-US" sz="1800" spc="0" dirty="0">
+                <a:effectLst/>
+                <a:latin typeface="+mj-lt"/>
+                <a:ea typeface="Arial" panose="020B0604020202020204" pitchFamily="34" charset="0"/>
+                <a:cs typeface="Arial" panose="020B0604020202020204" pitchFamily="34" charset="0"/>
+              </a:rPr>
+              <a:t>()</a:t>
+            </a:r>
+            <a:r>
+              <a:rPr lang="uk-UA" sz="1800" spc="0" dirty="0">
+                <a:effectLst/>
+                <a:latin typeface="+mj-lt"/>
+                <a:ea typeface="Arial" panose="020B0604020202020204" pitchFamily="34" charset="0"/>
+                <a:cs typeface="Arial" panose="020B0604020202020204" pitchFamily="34" charset="0"/>
+              </a:rPr>
+              <a:t>.</a:t>
+            </a:r>
+          </a:p>
+        </p:txBody>
+      </p:sp>
+    </p:spTree>
+  </p:cSld>
+  <p:clrMapOvr>
+    <a:masterClrMapping/>
+  </p:clrMapOvr>
+</p:sld>
+</file>
+
+<file path=ppt/slides/slide12.xml><?xml version="1.0" encoding="utf-8"?>
+<p:sld xmlns:a="http://schemas.openxmlformats.org/drawingml/2006/main" xmlns:r="http://schemas.openxmlformats.org/officeDocument/2006/relationships" xmlns:p="http://schemas.openxmlformats.org/presentationml/2006/main">
+  <p:cSld>
+    <p:spTree>
+      <p:nvGrpSpPr>
+        <p:cNvPr id="1" name=""/>
+        <p:cNvGrpSpPr/>
+        <p:nvPr/>
+      </p:nvGrpSpPr>
+      <p:grpSpPr>
+        <a:xfrm>
+          <a:off x="0" y="0"/>
+          <a:ext cx="0" cy="0"/>
+          <a:chOff x="0" y="0"/>
+          <a:chExt cx="0" cy="0"/>
+        </a:xfrm>
+      </p:grpSpPr>
+      <p:sp>
+        <p:nvSpPr>
+          <p:cNvPr id="2" name="Title 1"/>
+          <p:cNvSpPr>
+            <a:spLocks noGrp="1"/>
+          </p:cNvSpPr>
+          <p:nvPr>
+            <p:ph type="title"/>
+          </p:nvPr>
+        </p:nvSpPr>
+        <p:spPr/>
+        <p:txBody>
+          <a:bodyPr/>
+          <a:lstStyle/>
+          <a:p>
+            <a:r>
+              <a:rPr sz="3600" b="1">
+                <a:latin typeface="Calibri"/>
+              </a:rPr>
+              <a:t>Функції програми</a:t>
+            </a:r>
+          </a:p>
+        </p:txBody>
+      </p:sp>
+      <p:sp>
+        <p:nvSpPr>
+          <p:cNvPr id="3" name="Content Placeholder 2"/>
+          <p:cNvSpPr>
+            <a:spLocks noGrp="1"/>
+          </p:cNvSpPr>
+          <p:nvPr>
+            <p:ph idx="1"/>
+          </p:nvPr>
+        </p:nvSpPr>
+        <p:spPr/>
+        <p:txBody>
+          <a:bodyPr/>
+          <a:lstStyle/>
+          <a:p>
+            <a:r>
+              <a:rPr sz="2800" dirty="0">
+                <a:solidFill>
+                  <a:srgbClr val="000000"/>
+                </a:solidFill>
+                <a:latin typeface="Calibri"/>
+              </a:rPr>
+              <a:t>CRUD</a:t>
+            </a:r>
+          </a:p>
+          <a:p>
+            <a:r>
+              <a:rPr sz="2800" dirty="0" err="1">
+                <a:solidFill>
+                  <a:srgbClr val="000000"/>
+                </a:solidFill>
+                <a:latin typeface="Calibri"/>
+              </a:rPr>
+              <a:t>Завантаження</a:t>
+            </a:r>
+            <a:r>
+              <a:rPr sz="2800" dirty="0">
+                <a:solidFill>
+                  <a:srgbClr val="000000"/>
+                </a:solidFill>
+                <a:latin typeface="Calibri"/>
+              </a:rPr>
+              <a:t>/</a:t>
+            </a:r>
+            <a:r>
+              <a:rPr sz="2800" dirty="0" err="1">
+                <a:solidFill>
+                  <a:srgbClr val="000000"/>
+                </a:solidFill>
+                <a:latin typeface="Calibri"/>
+              </a:rPr>
+              <a:t>збереження</a:t>
+            </a:r>
+            <a:endParaRPr sz="2800" dirty="0">
+              <a:solidFill>
+                <a:srgbClr val="000000"/>
+              </a:solidFill>
+              <a:latin typeface="Calibri"/>
+            </a:endParaRPr>
+          </a:p>
+          <a:p>
+            <a:r>
+              <a:rPr sz="2800" dirty="0" err="1">
+                <a:solidFill>
+                  <a:srgbClr val="000000"/>
+                </a:solidFill>
+                <a:latin typeface="Calibri"/>
+              </a:rPr>
+              <a:t>Пошук</a:t>
+            </a:r>
+            <a:r>
+              <a:rPr sz="2800" dirty="0">
+                <a:solidFill>
+                  <a:srgbClr val="000000"/>
+                </a:solidFill>
+                <a:latin typeface="Calibri"/>
+              </a:rPr>
+              <a:t>, </a:t>
+            </a:r>
+            <a:r>
+              <a:rPr sz="2800" dirty="0" err="1">
+                <a:solidFill>
+                  <a:srgbClr val="000000"/>
+                </a:solidFill>
+                <a:latin typeface="Calibri"/>
+              </a:rPr>
+              <a:t>сортування</a:t>
+            </a:r>
+            <a:r>
+              <a:rPr sz="2800" dirty="0">
+                <a:solidFill>
+                  <a:srgbClr val="000000"/>
+                </a:solidFill>
+                <a:latin typeface="Calibri"/>
+              </a:rPr>
+              <a:t>, </a:t>
+            </a:r>
+            <a:r>
+              <a:rPr sz="2800" dirty="0" err="1">
+                <a:solidFill>
+                  <a:srgbClr val="000000"/>
+                </a:solidFill>
+                <a:latin typeface="Calibri"/>
+              </a:rPr>
+              <a:t>фільтрація</a:t>
+            </a:r>
+            <a:endParaRPr sz="2800" dirty="0">
+              <a:solidFill>
+                <a:srgbClr val="000000"/>
+              </a:solidFill>
+              <a:latin typeface="Calibri"/>
+            </a:endParaRPr>
+          </a:p>
+          <a:p>
+            <a:r>
+              <a:rPr sz="2800" dirty="0" err="1">
+                <a:solidFill>
+                  <a:srgbClr val="000000"/>
+                </a:solidFill>
+                <a:latin typeface="Calibri"/>
+              </a:rPr>
+              <a:t>Авторизація</a:t>
+            </a:r>
+            <a:endParaRPr sz="2800" dirty="0">
+              <a:solidFill>
+                <a:srgbClr val="000000"/>
+              </a:solidFill>
+              <a:latin typeface="Calibri"/>
+            </a:endParaRPr>
+          </a:p>
+        </p:txBody>
+      </p:sp>
+    </p:spTree>
+  </p:cSld>
+  <p:clrMapOvr>
+    <a:masterClrMapping/>
+  </p:clrMapOvr>
+</p:sld>
+</file>
+
+<file path=ppt/slides/slide13.xml><?xml version="1.0" encoding="utf-8"?>
+<p:sld xmlns:a="http://schemas.openxmlformats.org/drawingml/2006/main" xmlns:r="http://schemas.openxmlformats.org/officeDocument/2006/relationships" xmlns:p="http://schemas.openxmlformats.org/presentationml/2006/main">
+  <p:cSld>
+    <p:spTree>
+      <p:nvGrpSpPr>
+        <p:cNvPr id="1" name=""/>
+        <p:cNvGrpSpPr/>
+        <p:nvPr/>
+      </p:nvGrpSpPr>
+      <p:grpSpPr>
+        <a:xfrm>
+          <a:off x="0" y="0"/>
+          <a:ext cx="0" cy="0"/>
+          <a:chOff x="0" y="0"/>
+          <a:chExt cx="0" cy="0"/>
+        </a:xfrm>
+      </p:grpSpPr>
+      <p:sp>
+        <p:nvSpPr>
+          <p:cNvPr id="2" name="Title 1"/>
+          <p:cNvSpPr>
+            <a:spLocks noGrp="1"/>
+          </p:cNvSpPr>
+          <p:nvPr>
+            <p:ph type="title"/>
+          </p:nvPr>
+        </p:nvSpPr>
+        <p:spPr/>
+        <p:txBody>
+          <a:bodyPr/>
+          <a:lstStyle/>
+          <a:p>
+            <a:r>
+              <a:rPr sz="3600" b="1" dirty="0" err="1">
+                <a:latin typeface="Calibri"/>
+              </a:rPr>
+              <a:t>Інтерфейс</a:t>
+            </a:r>
+            <a:r>
+              <a:rPr sz="3600" b="1" dirty="0">
+                <a:latin typeface="Calibri"/>
+              </a:rPr>
+              <a:t> </a:t>
+            </a:r>
+            <a:r>
+              <a:rPr sz="3600" b="1" dirty="0" err="1">
+                <a:latin typeface="Calibri"/>
+              </a:rPr>
+              <a:t>програми</a:t>
+            </a:r>
+            <a:r>
+              <a:rPr sz="3600" b="1" dirty="0">
+                <a:latin typeface="Calibri"/>
+              </a:rPr>
+              <a:t> </a:t>
+            </a:r>
+          </a:p>
+        </p:txBody>
+      </p:sp>
+      <p:pic>
+        <p:nvPicPr>
+          <p:cNvPr id="9" name="Рисунок 8">
+            <a:extLst>
+              <a:ext uri="{FF2B5EF4-FFF2-40B4-BE49-F238E27FC236}">
+                <a16:creationId xmlns:a16="http://schemas.microsoft.com/office/drawing/2014/main" id="{1C2AA76F-DB85-460F-A461-037417CD4F51}"/>
+              </a:ext>
+            </a:extLst>
+          </p:cNvPr>
+          <p:cNvPicPr>
+            <a:picLocks noChangeAspect="1"/>
+          </p:cNvPicPr>
+          <p:nvPr/>
+        </p:nvPicPr>
+        <p:blipFill>
+          <a:blip r:embed="rId2"/>
+          <a:stretch>
+            <a:fillRect/>
+          </a:stretch>
+        </p:blipFill>
+        <p:spPr>
+          <a:xfrm>
+            <a:off x="239564" y="1206555"/>
+            <a:ext cx="5439534" cy="1286054"/>
+          </a:xfrm>
+          <a:prstGeom prst="rect">
+            <a:avLst/>
+          </a:prstGeom>
+        </p:spPr>
+      </p:pic>
+      <p:pic>
+        <p:nvPicPr>
+          <p:cNvPr id="11" name="Рисунок 10">
+            <a:extLst>
+              <a:ext uri="{FF2B5EF4-FFF2-40B4-BE49-F238E27FC236}">
+                <a16:creationId xmlns:a16="http://schemas.microsoft.com/office/drawing/2014/main" id="{FE4A74DE-ACAF-4CE4-98B7-4E02981948D2}"/>
+              </a:ext>
+            </a:extLst>
+          </p:cNvPr>
+          <p:cNvPicPr>
+            <a:picLocks noChangeAspect="1"/>
+          </p:cNvPicPr>
+          <p:nvPr/>
+        </p:nvPicPr>
+        <p:blipFill>
+          <a:blip r:embed="rId3"/>
+          <a:stretch>
+            <a:fillRect/>
+          </a:stretch>
+        </p:blipFill>
+        <p:spPr>
+          <a:xfrm>
+            <a:off x="457200" y="2834143"/>
+            <a:ext cx="5087060" cy="3400900"/>
+          </a:xfrm>
+          <a:prstGeom prst="rect">
+            <a:avLst/>
+          </a:prstGeom>
+        </p:spPr>
+      </p:pic>
+      <p:pic>
+        <p:nvPicPr>
+          <p:cNvPr id="4" name="Рисунок 3">
+            <a:extLst>
+              <a:ext uri="{FF2B5EF4-FFF2-40B4-BE49-F238E27FC236}">
+                <a16:creationId xmlns:a16="http://schemas.microsoft.com/office/drawing/2014/main" id="{E3D29F23-EA7C-4C7E-A632-D7F3CD71A0DE}"/>
+              </a:ext>
+            </a:extLst>
+          </p:cNvPr>
+          <p:cNvPicPr>
+            <a:picLocks noChangeAspect="1"/>
+          </p:cNvPicPr>
+          <p:nvPr/>
+        </p:nvPicPr>
+        <p:blipFill>
+          <a:blip r:embed="rId4"/>
+          <a:stretch>
+            <a:fillRect/>
+          </a:stretch>
+        </p:blipFill>
+        <p:spPr>
+          <a:xfrm>
+            <a:off x="3162678" y="5935288"/>
+            <a:ext cx="2381582" cy="299756"/>
+          </a:xfrm>
+          <a:prstGeom prst="rect">
+            <a:avLst/>
+          </a:prstGeom>
+        </p:spPr>
+      </p:pic>
+      <p:sp>
+        <p:nvSpPr>
+          <p:cNvPr id="5" name="TextBox 4">
+            <a:extLst>
+              <a:ext uri="{FF2B5EF4-FFF2-40B4-BE49-F238E27FC236}">
+                <a16:creationId xmlns:a16="http://schemas.microsoft.com/office/drawing/2014/main" id="{BFD30BB6-447F-4306-8129-110005D08542}"/>
+              </a:ext>
+            </a:extLst>
+          </p:cNvPr>
+          <p:cNvSpPr txBox="1"/>
+          <p:nvPr/>
+        </p:nvSpPr>
+        <p:spPr>
+          <a:xfrm>
+            <a:off x="3191699" y="5935288"/>
+            <a:ext cx="2323540" cy="307777"/>
+          </a:xfrm>
+          <a:prstGeom prst="rect">
+            <a:avLst/>
+          </a:prstGeom>
+          <a:noFill/>
+        </p:spPr>
+        <p:txBody>
+          <a:bodyPr wrap="square" rtlCol="0">
+            <a:spAutoFit/>
+          </a:bodyPr>
+          <a:lstStyle/>
+          <a:p>
+            <a:r>
+              <a:rPr lang="uk-UA" sz="1400" dirty="0"/>
+              <a:t>- Меню адміністратора</a:t>
+            </a:r>
+          </a:p>
+        </p:txBody>
+      </p:sp>
+    </p:spTree>
+  </p:cSld>
+  <p:clrMapOvr>
+    <a:masterClrMapping/>
+  </p:clrMapOvr>
+</p:sld>
+</file>
+
+<file path=ppt/slides/slide14.xml><?xml version="1.0" encoding="utf-8"?>
+<p:sld xmlns:a="http://schemas.openxmlformats.org/drawingml/2006/main" xmlns:r="http://schemas.openxmlformats.org/officeDocument/2006/relationships" xmlns:p="http://schemas.openxmlformats.org/presentationml/2006/main">
+  <p:cSld>
+    <p:spTree>
+      <p:nvGrpSpPr>
+        <p:cNvPr id="1" name=""/>
+        <p:cNvGrpSpPr/>
+        <p:nvPr/>
+      </p:nvGrpSpPr>
+      <p:grpSpPr>
+        <a:xfrm>
+          <a:off x="0" y="0"/>
+          <a:ext cx="0" cy="0"/>
+          <a:chOff x="0" y="0"/>
+          <a:chExt cx="0" cy="0"/>
+        </a:xfrm>
+      </p:grpSpPr>
+      <p:pic>
+        <p:nvPicPr>
           <p:cNvPr id="4" name="Рисунок 3">
             <a:extLst>
               <a:ext uri="{FF2B5EF4-FFF2-40B4-BE49-F238E27FC236}">
@@ -3456,7 +4374,7 @@
 </p:sld>
 </file>
 
-<file path=ppt/slides/slide11.xml><?xml version="1.0" encoding="utf-8"?>
+<file path=ppt/slides/slide15.xml><?xml version="1.0" encoding="utf-8"?>
 <p:sld xmlns:a="http://schemas.openxmlformats.org/drawingml/2006/main" xmlns:r="http://schemas.openxmlformats.org/officeDocument/2006/relationships" xmlns:p="http://schemas.openxmlformats.org/presentationml/2006/main">
   <p:cSld>
     <p:spTree>
@@ -3546,7 +4464,7 @@
 </p:sld>
 </file>
 
-<file path=ppt/slides/slide12.xml><?xml version="1.0" encoding="utf-8"?>
+<file path=ppt/slides/slide16.xml><?xml version="1.0" encoding="utf-8"?>
 <p:sld xmlns:a="http://schemas.openxmlformats.org/drawingml/2006/main" xmlns:r="http://schemas.openxmlformats.org/officeDocument/2006/relationships" xmlns:p="http://schemas.openxmlformats.org/presentationml/2006/main">
   <p:cSld>
     <p:spTree>
@@ -3831,7 +4749,7 @@
 </p:sld>
 </file>
 
-<file path=ppt/slides/slide13.xml><?xml version="1.0" encoding="utf-8"?>
+<file path=ppt/slides/slide17.xml><?xml version="1.0" encoding="utf-8"?>
 <p:sld xmlns:a="http://schemas.openxmlformats.org/drawingml/2006/main" xmlns:r="http://schemas.openxmlformats.org/officeDocument/2006/relationships" xmlns:p="http://schemas.openxmlformats.org/presentationml/2006/main">
   <p:cSld>
     <p:spTree>
@@ -3986,7 +4904,7 @@
 </p:sld>
 </file>
 
-<file path=ppt/slides/slide14.xml><?xml version="1.0" encoding="utf-8"?>
+<file path=ppt/slides/slide18.xml><?xml version="1.0" encoding="utf-8"?>
 <p:sld xmlns:a="http://schemas.openxmlformats.org/drawingml/2006/main" xmlns:r="http://schemas.openxmlformats.org/officeDocument/2006/relationships" xmlns:p="http://schemas.openxmlformats.org/presentationml/2006/main">
   <p:cSld>
     <p:spTree>
@@ -4376,7 +5294,7 @@
 </p:sld>
 </file>
 
-<file path=ppt/slides/slide15.xml><?xml version="1.0" encoding="utf-8"?>
+<file path=ppt/slides/slide19.xml><?xml version="1.0" encoding="utf-8"?>
 <p:sld xmlns:a="http://schemas.openxmlformats.org/drawingml/2006/main" xmlns:r="http://schemas.openxmlformats.org/officeDocument/2006/relationships" xmlns:p="http://schemas.openxmlformats.org/presentationml/2006/main">
   <p:cSld>
     <p:spTree>
@@ -4872,80 +5790,160 @@
             <p:ph type="title"/>
           </p:nvPr>
         </p:nvSpPr>
-        <p:spPr/>
+        <p:spPr>
+          <a:xfrm>
+            <a:off x="457200" y="-1"/>
+            <a:ext cx="8229600" cy="646929"/>
+          </a:xfrm>
+        </p:spPr>
         <p:txBody>
           <a:bodyPr/>
           <a:lstStyle/>
           <a:p>
             <a:r>
-              <a:rPr sz="3600" b="1">
+              <a:rPr sz="3600" b="1" dirty="0" err="1">
                 <a:latin typeface="Calibri"/>
               </a:rPr>
-              <a:t>Сценарії використання</a:t>
-            </a:r>
-          </a:p>
-        </p:txBody>
-      </p:sp>
-      <p:sp>
-        <p:nvSpPr>
-          <p:cNvPr id="3" name="Content Placeholder 2"/>
-          <p:cNvSpPr>
-            <a:spLocks noGrp="1"/>
-          </p:cNvSpPr>
-          <p:nvPr>
-            <p:ph idx="1"/>
-          </p:nvPr>
-        </p:nvSpPr>
-        <p:spPr/>
-        <p:txBody>
-          <a:bodyPr/>
-          <a:lstStyle/>
-          <a:p>
-            <a:r>
-              <a:rPr sz="2800">
-                <a:solidFill>
-                  <a:srgbClr val="000000"/>
-                </a:solidFill>
+              <a:t>Сценарії</a:t>
+            </a:r>
+            <a:r>
+              <a:rPr sz="3600" b="1" dirty="0">
                 <a:latin typeface="Calibri"/>
               </a:rPr>
-              <a:t>• Додавання авто</a:t>
-            </a:r>
-          </a:p>
-          <a:p>
-            <a:r>
-              <a:rPr sz="2800">
-                <a:solidFill>
-                  <a:srgbClr val="000000"/>
-                </a:solidFill>
+              <a:t> </a:t>
+            </a:r>
+            <a:r>
+              <a:rPr sz="3600" b="1" dirty="0" err="1">
                 <a:latin typeface="Calibri"/>
               </a:rPr>
-              <a:t>• Редагування</a:t>
-            </a:r>
-          </a:p>
-          <a:p>
-            <a:r>
-              <a:rPr sz="2800">
-                <a:solidFill>
-                  <a:srgbClr val="000000"/>
-                </a:solidFill>
-                <a:latin typeface="Calibri"/>
-              </a:rPr>
-              <a:t>• Видалення</a:t>
-            </a:r>
-          </a:p>
-          <a:p>
-            <a:r>
-              <a:rPr sz="2800">
-                <a:solidFill>
-                  <a:srgbClr val="000000"/>
-                </a:solidFill>
-                <a:latin typeface="Calibri"/>
-              </a:rPr>
-              <a:t>• Пошук, сортування, фільтрація</a:t>
-            </a:r>
-          </a:p>
-        </p:txBody>
-      </p:sp>
+              <a:t>використання</a:t>
+            </a:r>
+            <a:endParaRPr sz="3600" b="1" dirty="0">
+              <a:latin typeface="Calibri"/>
+            </a:endParaRPr>
+          </a:p>
+        </p:txBody>
+      </p:sp>
+      <p:pic>
+        <p:nvPicPr>
+          <p:cNvPr id="5" name="Рисунок 4">
+            <a:extLst>
+              <a:ext uri="{FF2B5EF4-FFF2-40B4-BE49-F238E27FC236}">
+                <a16:creationId xmlns:a16="http://schemas.microsoft.com/office/drawing/2014/main" id="{F14E0140-DC3A-4A5C-9CAD-4652E3A8C0F6}"/>
+              </a:ext>
+            </a:extLst>
+          </p:cNvPr>
+          <p:cNvPicPr>
+            <a:picLocks noChangeAspect="1"/>
+          </p:cNvPicPr>
+          <p:nvPr/>
+        </p:nvPicPr>
+        <p:blipFill>
+          <a:blip r:embed="rId2"/>
+          <a:stretch>
+            <a:fillRect/>
+          </a:stretch>
+        </p:blipFill>
+        <p:spPr>
+          <a:xfrm>
+            <a:off x="0" y="542425"/>
+            <a:ext cx="4760730" cy="3427726"/>
+          </a:xfrm>
+          <a:prstGeom prst="rect">
+            <a:avLst/>
+          </a:prstGeom>
+        </p:spPr>
+      </p:pic>
+      <p:pic>
+        <p:nvPicPr>
+          <p:cNvPr id="7" name="Рисунок 6">
+            <a:extLst>
+              <a:ext uri="{FF2B5EF4-FFF2-40B4-BE49-F238E27FC236}">
+                <a16:creationId xmlns:a16="http://schemas.microsoft.com/office/drawing/2014/main" id="{D6ABC9B1-8081-4353-BA7D-EF7F4567D44F}"/>
+              </a:ext>
+            </a:extLst>
+          </p:cNvPr>
+          <p:cNvPicPr>
+            <a:picLocks noChangeAspect="1"/>
+          </p:cNvPicPr>
+          <p:nvPr/>
+        </p:nvPicPr>
+        <p:blipFill>
+          <a:blip r:embed="rId3"/>
+          <a:stretch>
+            <a:fillRect/>
+          </a:stretch>
+        </p:blipFill>
+        <p:spPr>
+          <a:xfrm>
+            <a:off x="4760730" y="542425"/>
+            <a:ext cx="4383270" cy="3632670"/>
+          </a:xfrm>
+          <a:prstGeom prst="rect">
+            <a:avLst/>
+          </a:prstGeom>
+        </p:spPr>
+      </p:pic>
+      <p:pic>
+        <p:nvPicPr>
+          <p:cNvPr id="9" name="Рисунок 8">
+            <a:extLst>
+              <a:ext uri="{FF2B5EF4-FFF2-40B4-BE49-F238E27FC236}">
+                <a16:creationId xmlns:a16="http://schemas.microsoft.com/office/drawing/2014/main" id="{6B2E08A2-E517-4D71-9DAD-1234EB29656F}"/>
+              </a:ext>
+            </a:extLst>
+          </p:cNvPr>
+          <p:cNvPicPr>
+            <a:picLocks noChangeAspect="1"/>
+          </p:cNvPicPr>
+          <p:nvPr/>
+        </p:nvPicPr>
+        <p:blipFill>
+          <a:blip r:embed="rId4"/>
+          <a:stretch>
+            <a:fillRect/>
+          </a:stretch>
+        </p:blipFill>
+        <p:spPr>
+          <a:xfrm>
+            <a:off x="377460" y="3893903"/>
+            <a:ext cx="4383270" cy="2964097"/>
+          </a:xfrm>
+          <a:prstGeom prst="rect">
+            <a:avLst/>
+          </a:prstGeom>
+        </p:spPr>
+      </p:pic>
+      <p:pic>
+        <p:nvPicPr>
+          <p:cNvPr id="11" name="Рисунок 10">
+            <a:extLst>
+              <a:ext uri="{FF2B5EF4-FFF2-40B4-BE49-F238E27FC236}">
+                <a16:creationId xmlns:a16="http://schemas.microsoft.com/office/drawing/2014/main" id="{7137E8F5-0B6A-4D18-9385-B7DA5876792C}"/>
+              </a:ext>
+            </a:extLst>
+          </p:cNvPr>
+          <p:cNvPicPr>
+            <a:picLocks noChangeAspect="1"/>
+          </p:cNvPicPr>
+          <p:nvPr/>
+        </p:nvPicPr>
+        <p:blipFill>
+          <a:blip r:embed="rId5"/>
+          <a:stretch>
+            <a:fillRect/>
+          </a:stretch>
+        </p:blipFill>
+        <p:spPr>
+          <a:xfrm>
+            <a:off x="5138190" y="4144571"/>
+            <a:ext cx="3501527" cy="2705725"/>
+          </a:xfrm>
+          <a:prstGeom prst="rect">
+            <a:avLst/>
+          </a:prstGeom>
+        </p:spPr>
+      </p:pic>
     </p:spTree>
   </p:cSld>
   <p:clrMapOvr>
@@ -4971,194 +5969,12 @@
           <a:chExt cx="0" cy="0"/>
         </a:xfrm>
       </p:grpSpPr>
-      <p:sp>
-        <p:nvSpPr>
-          <p:cNvPr id="2" name="Title 1"/>
-          <p:cNvSpPr>
-            <a:spLocks noGrp="1"/>
-          </p:cNvSpPr>
-          <p:nvPr>
-            <p:ph type="title"/>
-          </p:nvPr>
-        </p:nvSpPr>
-        <p:spPr/>
-        <p:txBody>
-          <a:bodyPr/>
-          <a:lstStyle/>
-          <a:p>
-            <a:r>
-              <a:rPr sz="3600" b="1" dirty="0" err="1">
-                <a:latin typeface="Calibri"/>
-              </a:rPr>
-              <a:t>Основні</a:t>
-            </a:r>
-            <a:r>
-              <a:rPr sz="3600" b="1" dirty="0">
-                <a:latin typeface="Calibri"/>
-              </a:rPr>
-              <a:t> </a:t>
-            </a:r>
-            <a:r>
-              <a:rPr sz="3600" b="1" dirty="0" err="1">
-                <a:latin typeface="Calibri"/>
-              </a:rPr>
-              <a:t>алгоритми</a:t>
-            </a:r>
-            <a:endParaRPr sz="3600" b="1" dirty="0">
-              <a:latin typeface="Calibri"/>
-            </a:endParaRPr>
-          </a:p>
-        </p:txBody>
-      </p:sp>
-      <p:sp>
-        <p:nvSpPr>
-          <p:cNvPr id="3" name="Content Placeholder 2"/>
-          <p:cNvSpPr>
-            <a:spLocks noGrp="1"/>
-          </p:cNvSpPr>
-          <p:nvPr>
-            <p:ph idx="1"/>
-          </p:nvPr>
-        </p:nvSpPr>
-        <p:spPr>
-          <a:xfrm>
-            <a:off x="457200" y="1084811"/>
-            <a:ext cx="8229600" cy="4525963"/>
-          </a:xfrm>
-        </p:spPr>
-        <p:txBody>
-          <a:bodyPr/>
-          <a:lstStyle/>
-          <a:p>
-            <a:r>
-              <a:rPr sz="2800" dirty="0">
-                <a:solidFill>
-                  <a:srgbClr val="000000"/>
-                </a:solidFill>
-                <a:latin typeface="Calibri"/>
-              </a:rPr>
-              <a:t>• </a:t>
-            </a:r>
-            <a:r>
-              <a:rPr sz="2800" dirty="0" err="1">
-                <a:solidFill>
-                  <a:srgbClr val="000000"/>
-                </a:solidFill>
-                <a:latin typeface="Calibri"/>
-              </a:rPr>
-              <a:t>Додавання</a:t>
-            </a:r>
-            <a:endParaRPr sz="2800" dirty="0">
-              <a:solidFill>
-                <a:srgbClr val="000000"/>
-              </a:solidFill>
-              <a:latin typeface="Calibri"/>
-            </a:endParaRPr>
-          </a:p>
-          <a:p>
-            <a:r>
-              <a:rPr sz="2800" dirty="0">
-                <a:solidFill>
-                  <a:srgbClr val="000000"/>
-                </a:solidFill>
-                <a:latin typeface="Calibri"/>
-              </a:rPr>
-              <a:t>• </a:t>
-            </a:r>
-            <a:r>
-              <a:rPr sz="2800" dirty="0" err="1">
-                <a:solidFill>
-                  <a:srgbClr val="000000"/>
-                </a:solidFill>
-                <a:latin typeface="Calibri"/>
-              </a:rPr>
-              <a:t>Редагування</a:t>
-            </a:r>
-            <a:endParaRPr sz="2800" dirty="0">
-              <a:solidFill>
-                <a:srgbClr val="000000"/>
-              </a:solidFill>
-              <a:latin typeface="Calibri"/>
-            </a:endParaRPr>
-          </a:p>
-          <a:p>
-            <a:r>
-              <a:rPr sz="2800" dirty="0">
-                <a:solidFill>
-                  <a:srgbClr val="000000"/>
-                </a:solidFill>
-                <a:latin typeface="Calibri"/>
-              </a:rPr>
-              <a:t>• </a:t>
-            </a:r>
-            <a:r>
-              <a:rPr sz="2800" dirty="0" err="1">
-                <a:solidFill>
-                  <a:srgbClr val="000000"/>
-                </a:solidFill>
-                <a:latin typeface="Calibri"/>
-              </a:rPr>
-              <a:t>Видалення</a:t>
-            </a:r>
-            <a:endParaRPr sz="2800" dirty="0">
-              <a:solidFill>
-                <a:srgbClr val="000000"/>
-              </a:solidFill>
-              <a:latin typeface="Calibri"/>
-            </a:endParaRPr>
-          </a:p>
-          <a:p>
-            <a:r>
-              <a:rPr sz="2800" dirty="0">
-                <a:solidFill>
-                  <a:srgbClr val="000000"/>
-                </a:solidFill>
-                <a:latin typeface="Calibri"/>
-              </a:rPr>
-              <a:t>• </a:t>
-            </a:r>
-            <a:r>
-              <a:rPr sz="2800" dirty="0" err="1">
-                <a:solidFill>
-                  <a:srgbClr val="000000"/>
-                </a:solidFill>
-                <a:latin typeface="Calibri"/>
-              </a:rPr>
-              <a:t>Перегляд</a:t>
-            </a:r>
-            <a:r>
-              <a:rPr sz="2800" dirty="0">
-                <a:solidFill>
-                  <a:srgbClr val="000000"/>
-                </a:solidFill>
-                <a:latin typeface="Calibri"/>
-              </a:rPr>
-              <a:t> і </a:t>
-            </a:r>
-            <a:r>
-              <a:rPr sz="2800" dirty="0" err="1">
-                <a:solidFill>
-                  <a:srgbClr val="000000"/>
-                </a:solidFill>
-                <a:latin typeface="Calibri"/>
-              </a:rPr>
-              <a:t>сортування</a:t>
-            </a:r>
-            <a:endParaRPr sz="2800" dirty="0">
-              <a:solidFill>
-                <a:srgbClr val="000000"/>
-              </a:solidFill>
-              <a:latin typeface="Calibri"/>
-            </a:endParaRPr>
-          </a:p>
-        </p:txBody>
-      </p:sp>
       <p:pic>
         <p:nvPicPr>
           <p:cNvPr id="5" name="Рисунок 4">
             <a:extLst>
               <a:ext uri="{FF2B5EF4-FFF2-40B4-BE49-F238E27FC236}">
-                <a16:creationId xmlns:a16="http://schemas.microsoft.com/office/drawing/2014/main" id="{7F0BCB04-9AB9-4A38-8557-F2807AE10C8E}"/>
+                <a16:creationId xmlns:a16="http://schemas.microsoft.com/office/drawing/2014/main" id="{461883DF-9B35-43B1-99A0-D2DA929D587E}"/>
               </a:ext>
             </a:extLst>
           </p:cNvPr>
@@ -5175,15 +5991,110 @@
         </p:blipFill>
         <p:spPr>
           <a:xfrm>
-            <a:off x="6414581" y="1005840"/>
-            <a:ext cx="2552069" cy="5663062"/>
+            <a:off x="209068" y="277324"/>
+            <a:ext cx="4362932" cy="3151676"/>
           </a:xfrm>
           <a:prstGeom prst="rect">
             <a:avLst/>
           </a:prstGeom>
         </p:spPr>
       </p:pic>
+      <p:pic>
+        <p:nvPicPr>
+          <p:cNvPr id="7" name="Рисунок 6">
+            <a:extLst>
+              <a:ext uri="{FF2B5EF4-FFF2-40B4-BE49-F238E27FC236}">
+                <a16:creationId xmlns:a16="http://schemas.microsoft.com/office/drawing/2014/main" id="{AD96DB48-C2A1-47D5-8407-C631DD782ACA}"/>
+              </a:ext>
+            </a:extLst>
+          </p:cNvPr>
+          <p:cNvPicPr>
+            <a:picLocks noChangeAspect="1"/>
+          </p:cNvPicPr>
+          <p:nvPr/>
+        </p:nvPicPr>
+        <p:blipFill>
+          <a:blip r:embed="rId3"/>
+          <a:stretch>
+            <a:fillRect/>
+          </a:stretch>
+        </p:blipFill>
+        <p:spPr>
+          <a:xfrm>
+            <a:off x="4572001" y="277324"/>
+            <a:ext cx="4572000" cy="2750685"/>
+          </a:xfrm>
+          <a:prstGeom prst="rect">
+            <a:avLst/>
+          </a:prstGeom>
+        </p:spPr>
+      </p:pic>
+      <p:pic>
+        <p:nvPicPr>
+          <p:cNvPr id="9" name="Рисунок 8">
+            <a:extLst>
+              <a:ext uri="{FF2B5EF4-FFF2-40B4-BE49-F238E27FC236}">
+                <a16:creationId xmlns:a16="http://schemas.microsoft.com/office/drawing/2014/main" id="{4A08CC79-A7C7-4865-BB18-5E6BE52C4F89}"/>
+              </a:ext>
+            </a:extLst>
+          </p:cNvPr>
+          <p:cNvPicPr>
+            <a:picLocks noChangeAspect="1"/>
+          </p:cNvPicPr>
+          <p:nvPr/>
+        </p:nvPicPr>
+        <p:blipFill>
+          <a:blip r:embed="rId4"/>
+          <a:stretch>
+            <a:fillRect/>
+          </a:stretch>
+        </p:blipFill>
+        <p:spPr>
+          <a:xfrm>
+            <a:off x="209068" y="3519081"/>
+            <a:ext cx="4362932" cy="3061595"/>
+          </a:xfrm>
+          <a:prstGeom prst="rect">
+            <a:avLst/>
+          </a:prstGeom>
+        </p:spPr>
+      </p:pic>
+      <p:pic>
+        <p:nvPicPr>
+          <p:cNvPr id="11" name="Рисунок 10">
+            <a:extLst>
+              <a:ext uri="{FF2B5EF4-FFF2-40B4-BE49-F238E27FC236}">
+                <a16:creationId xmlns:a16="http://schemas.microsoft.com/office/drawing/2014/main" id="{280BF1A4-80C7-4ACE-BC32-D2212FFB2BC6}"/>
+              </a:ext>
+            </a:extLst>
+          </p:cNvPr>
+          <p:cNvPicPr>
+            <a:picLocks noChangeAspect="1"/>
+          </p:cNvPicPr>
+          <p:nvPr/>
+        </p:nvPicPr>
+        <p:blipFill>
+          <a:blip r:embed="rId5"/>
+          <a:stretch>
+            <a:fillRect/>
+          </a:stretch>
+        </p:blipFill>
+        <p:spPr>
+          <a:xfrm>
+            <a:off x="4800600" y="3392815"/>
+            <a:ext cx="3981201" cy="3298554"/>
+          </a:xfrm>
+          <a:prstGeom prst="rect">
+            <a:avLst/>
+          </a:prstGeom>
+        </p:spPr>
+      </p:pic>
     </p:spTree>
+    <p:extLst>
+      <p:ext uri="{BB962C8B-B14F-4D97-AF65-F5344CB8AC3E}">
+        <p14:creationId xmlns:p14="http://schemas.microsoft.com/office/powerpoint/2010/main" val="1634813146"/>
+      </p:ext>
+    </p:extLst>
   </p:cSld>
   <p:clrMapOvr>
     <a:masterClrMapping/>
@@ -5210,14 +6121,16 @@
       </p:grpSpPr>
       <p:pic>
         <p:nvPicPr>
-          <p:cNvPr id="10" name="Рисунок 9">
+          <p:cNvPr id="5" name="Рисунок 4">
             <a:extLst>
               <a:ext uri="{FF2B5EF4-FFF2-40B4-BE49-F238E27FC236}">
-                <a16:creationId xmlns:a16="http://schemas.microsoft.com/office/drawing/2014/main" id="{4624A424-B496-4D04-AE6A-AB75C7253726}"/>
+                <a16:creationId xmlns:a16="http://schemas.microsoft.com/office/drawing/2014/main" id="{C4FDBE26-5FB1-4888-95D4-A18DB27FE456}"/>
               </a:ext>
             </a:extLst>
           </p:cNvPr>
-          <p:cNvPicPr/>
+          <p:cNvPicPr>
+            <a:picLocks noChangeAspect="1"/>
+          </p:cNvPicPr>
           <p:nvPr/>
         </p:nvPicPr>
         <p:blipFill>
@@ -5228,8 +6141,8 @@
         </p:blipFill>
         <p:spPr>
           <a:xfrm>
-            <a:off x="6745519" y="349134"/>
-            <a:ext cx="1957908" cy="5556019"/>
+            <a:off x="139533" y="167640"/>
+            <a:ext cx="4432467" cy="3423153"/>
           </a:xfrm>
           <a:prstGeom prst="rect">
             <a:avLst/>
@@ -5238,14 +6151,16 @@
       </p:pic>
       <p:pic>
         <p:nvPicPr>
-          <p:cNvPr id="11" name="Рисунок 10">
+          <p:cNvPr id="7" name="Рисунок 6">
             <a:extLst>
               <a:ext uri="{FF2B5EF4-FFF2-40B4-BE49-F238E27FC236}">
-                <a16:creationId xmlns:a16="http://schemas.microsoft.com/office/drawing/2014/main" id="{9EE0591F-002E-42AB-AE57-498E0146D2DD}"/>
+                <a16:creationId xmlns:a16="http://schemas.microsoft.com/office/drawing/2014/main" id="{7873C5CB-BF51-4017-9554-E562829896F5}"/>
               </a:ext>
             </a:extLst>
           </p:cNvPr>
-          <p:cNvPicPr/>
+          <p:cNvPicPr>
+            <a:picLocks noChangeAspect="1"/>
+          </p:cNvPicPr>
           <p:nvPr/>
         </p:nvPicPr>
         <p:blipFill>
@@ -5256,8 +6171,8 @@
         </p:blipFill>
         <p:spPr>
           <a:xfrm>
-            <a:off x="99753" y="208083"/>
-            <a:ext cx="2543695" cy="5203801"/>
+            <a:off x="5018112" y="286686"/>
+            <a:ext cx="3986355" cy="3304107"/>
           </a:xfrm>
           <a:prstGeom prst="rect">
             <a:avLst/>
@@ -5266,10 +6181,10 @@
       </p:pic>
       <p:pic>
         <p:nvPicPr>
-          <p:cNvPr id="3" name="Рисунок 2">
+          <p:cNvPr id="9" name="Рисунок 8">
             <a:extLst>
               <a:ext uri="{FF2B5EF4-FFF2-40B4-BE49-F238E27FC236}">
-                <a16:creationId xmlns:a16="http://schemas.microsoft.com/office/drawing/2014/main" id="{CFE0266D-25D6-4EEA-9D81-28B03B11ED12}"/>
+                <a16:creationId xmlns:a16="http://schemas.microsoft.com/office/drawing/2014/main" id="{762B5F1D-43A2-4F4C-BC38-81CCF4D1D1A7}"/>
               </a:ext>
             </a:extLst>
           </p:cNvPr>
@@ -5286,8 +6201,8 @@
         </p:blipFill>
         <p:spPr>
           <a:xfrm>
-            <a:off x="1747973" y="34765"/>
-            <a:ext cx="1790950" cy="628738"/>
+            <a:off x="139532" y="3805931"/>
+            <a:ext cx="4432467" cy="3052070"/>
           </a:xfrm>
           <a:prstGeom prst="rect">
             <a:avLst/>
@@ -5296,10 +6211,10 @@
       </p:pic>
       <p:pic>
         <p:nvPicPr>
-          <p:cNvPr id="6" name="Рисунок 5">
+          <p:cNvPr id="11" name="Рисунок 10">
             <a:extLst>
               <a:ext uri="{FF2B5EF4-FFF2-40B4-BE49-F238E27FC236}">
-                <a16:creationId xmlns:a16="http://schemas.microsoft.com/office/drawing/2014/main" id="{5D914476-3C90-413E-9517-E162B281C004}"/>
+                <a16:creationId xmlns:a16="http://schemas.microsoft.com/office/drawing/2014/main" id="{17E0F2FF-9E26-4DDC-A6DA-AD64F9881DAE}"/>
               </a:ext>
             </a:extLst>
           </p:cNvPr>
@@ -5316,8 +6231,8 @@
         </p:blipFill>
         <p:spPr>
           <a:xfrm>
-            <a:off x="3500288" y="103252"/>
-            <a:ext cx="2143424" cy="5687219"/>
+            <a:off x="4572000" y="3735597"/>
+            <a:ext cx="4572000" cy="1596369"/>
           </a:xfrm>
           <a:prstGeom prst="rect">
             <a:avLst/>
@@ -5327,7 +6242,7 @@
     </p:spTree>
     <p:extLst>
       <p:ext uri="{BB962C8B-B14F-4D97-AF65-F5344CB8AC3E}">
-        <p14:creationId xmlns:p14="http://schemas.microsoft.com/office/powerpoint/2010/main" val="3581835001"/>
+        <p14:creationId xmlns:p14="http://schemas.microsoft.com/office/powerpoint/2010/main" val="3551900798"/>
       </p:ext>
     </p:extLst>
   </p:cSld>
@@ -5354,377 +6269,132 @@
           <a:chExt cx="0" cy="0"/>
         </a:xfrm>
       </p:grpSpPr>
-      <p:sp>
-        <p:nvSpPr>
-          <p:cNvPr id="2" name="Title 1"/>
-          <p:cNvSpPr>
-            <a:spLocks noGrp="1"/>
-          </p:cNvSpPr>
-          <p:nvPr>
-            <p:ph type="title"/>
-          </p:nvPr>
-        </p:nvSpPr>
-        <p:spPr/>
-        <p:txBody>
-          <a:bodyPr/>
-          <a:lstStyle/>
-          <a:p>
-            <a:r>
-              <a:rPr sz="3600" b="1">
-                <a:latin typeface="Calibri"/>
-              </a:rPr>
-              <a:t>Класи бізнес-логіки</a:t>
-            </a:r>
-          </a:p>
-        </p:txBody>
-      </p:sp>
-      <p:sp>
-        <p:nvSpPr>
-          <p:cNvPr id="3" name="Content Placeholder 2"/>
-          <p:cNvSpPr>
-            <a:spLocks noGrp="1"/>
-          </p:cNvSpPr>
-          <p:nvPr>
-            <p:ph idx="1"/>
-          </p:nvPr>
-        </p:nvSpPr>
-        <p:spPr/>
-        <p:txBody>
-          <a:bodyPr/>
-          <a:lstStyle/>
-          <a:p>
-            <a:pPr algn="just">
-              <a:lnSpc>
-                <a:spcPct val="150000"/>
-              </a:lnSpc>
-              <a:buSzPts val="1400"/>
-            </a:pPr>
-            <a:r>
-              <a:rPr lang="en-US" sz="1800" spc="0" dirty="0">
-                <a:effectLst/>
-                <a:latin typeface="+mj-lt"/>
-                <a:ea typeface="Arial" panose="020B0604020202020204" pitchFamily="34" charset="0"/>
-                <a:cs typeface="Arial" panose="020B0604020202020204" pitchFamily="34" charset="0"/>
-              </a:rPr>
-              <a:t>Vehicle</a:t>
-            </a:r>
-            <a:r>
-              <a:rPr lang="ru-RU" sz="1800" spc="0" dirty="0">
-                <a:effectLst/>
-                <a:latin typeface="+mj-lt"/>
-                <a:ea typeface="Arial" panose="020B0604020202020204" pitchFamily="34" charset="0"/>
-                <a:cs typeface="Arial" panose="020B0604020202020204" pitchFamily="34" charset="0"/>
-              </a:rPr>
-              <a:t> – </a:t>
-            </a:r>
-            <a:r>
-              <a:rPr lang="uk-UA" sz="1800" spc="0" dirty="0">
-                <a:effectLst/>
-                <a:latin typeface="+mj-lt"/>
-                <a:ea typeface="Arial" panose="020B0604020202020204" pitchFamily="34" charset="0"/>
-                <a:cs typeface="Arial" panose="020B0604020202020204" pitchFamily="34" charset="0"/>
-              </a:rPr>
-              <a:t>абстрактний клас що представляє транспортний засіб, у якому оголошені основні методи для дочірніх класів</a:t>
-            </a:r>
-            <a:r>
-              <a:rPr lang="ru-RU" sz="1800" spc="0" dirty="0">
-                <a:effectLst/>
-                <a:latin typeface="+mj-lt"/>
-                <a:ea typeface="Arial" panose="020B0604020202020204" pitchFamily="34" charset="0"/>
-                <a:cs typeface="Arial" panose="020B0604020202020204" pitchFamily="34" charset="0"/>
-              </a:rPr>
-              <a:t>.</a:t>
-            </a:r>
-            <a:endParaRPr lang="uk-UA" sz="1800" spc="0" dirty="0">
-              <a:effectLst/>
-              <a:latin typeface="+mj-lt"/>
-              <a:ea typeface="Arial" panose="020B0604020202020204" pitchFamily="34" charset="0"/>
-              <a:cs typeface="Arial" panose="020B0604020202020204" pitchFamily="34" charset="0"/>
-            </a:endParaRPr>
-          </a:p>
-          <a:p>
-            <a:pPr algn="just">
-              <a:lnSpc>
-                <a:spcPct val="150000"/>
-              </a:lnSpc>
-              <a:buSzPts val="1400"/>
-            </a:pPr>
-            <a:r>
-              <a:rPr lang="en-US" sz="1800" spc="0" dirty="0">
-                <a:effectLst/>
-                <a:latin typeface="+mj-lt"/>
-                <a:ea typeface="Arial" panose="020B0604020202020204" pitchFamily="34" charset="0"/>
-                <a:cs typeface="Arial" panose="020B0604020202020204" pitchFamily="34" charset="0"/>
-              </a:rPr>
-              <a:t>Car </a:t>
-            </a:r>
-            <a:r>
-              <a:rPr lang="uk-UA" sz="1800" spc="0" dirty="0">
-                <a:effectLst/>
-                <a:latin typeface="+mj-lt"/>
-                <a:ea typeface="Arial" panose="020B0604020202020204" pitchFamily="34" charset="0"/>
-                <a:cs typeface="Arial" panose="020B0604020202020204" pitchFamily="34" charset="0"/>
-              </a:rPr>
-              <a:t>– клас нащадок </a:t>
-            </a:r>
-            <a:r>
-              <a:rPr lang="en-US" sz="1800" spc="0" dirty="0">
-                <a:effectLst/>
-                <a:latin typeface="+mj-lt"/>
-                <a:ea typeface="Arial" panose="020B0604020202020204" pitchFamily="34" charset="0"/>
-                <a:cs typeface="Arial" panose="020B0604020202020204" pitchFamily="34" charset="0"/>
-              </a:rPr>
-              <a:t>Vehicle</a:t>
-            </a:r>
-            <a:r>
-              <a:rPr lang="uk-UA" sz="1800" spc="0" dirty="0">
-                <a:effectLst/>
-                <a:latin typeface="+mj-lt"/>
-                <a:ea typeface="Arial" panose="020B0604020202020204" pitchFamily="34" charset="0"/>
-                <a:cs typeface="Arial" panose="020B0604020202020204" pitchFamily="34" charset="0"/>
-              </a:rPr>
-              <a:t>, клас що представляє автомобіль.</a:t>
-            </a:r>
-          </a:p>
-          <a:p>
-            <a:pPr algn="just">
-              <a:lnSpc>
-                <a:spcPct val="150000"/>
-              </a:lnSpc>
-              <a:buSzPts val="1400"/>
-            </a:pPr>
-            <a:r>
-              <a:rPr lang="ru-RU" sz="1800" spc="0" dirty="0">
-                <a:effectLst/>
-                <a:latin typeface="+mj-lt"/>
-                <a:ea typeface="Arial" panose="020B0604020202020204" pitchFamily="34" charset="0"/>
-                <a:cs typeface="Arial" panose="020B0604020202020204" pitchFamily="34" charset="0"/>
-              </a:rPr>
-              <a:t>Configuration – </a:t>
-            </a:r>
-            <a:r>
-              <a:rPr lang="uk-UA" sz="1800" spc="0" dirty="0">
-                <a:effectLst/>
-                <a:latin typeface="+mj-lt"/>
-                <a:ea typeface="Arial" panose="020B0604020202020204" pitchFamily="34" charset="0"/>
-                <a:cs typeface="Arial" panose="020B0604020202020204" pitchFamily="34" charset="0"/>
-              </a:rPr>
-              <a:t>клас нащадок </a:t>
-            </a:r>
-            <a:r>
-              <a:rPr lang="en-US" sz="1800" spc="0" dirty="0">
-                <a:effectLst/>
-                <a:latin typeface="+mj-lt"/>
-                <a:ea typeface="Arial" panose="020B0604020202020204" pitchFamily="34" charset="0"/>
-                <a:cs typeface="Arial" panose="020B0604020202020204" pitchFamily="34" charset="0"/>
-              </a:rPr>
-              <a:t>Vehicle</a:t>
-            </a:r>
-            <a:r>
-              <a:rPr lang="uk-UA" sz="1800" spc="0" dirty="0">
-                <a:effectLst/>
-                <a:latin typeface="+mj-lt"/>
-                <a:ea typeface="Arial" panose="020B0604020202020204" pitchFamily="34" charset="0"/>
-                <a:cs typeface="Arial" panose="020B0604020202020204" pitchFamily="34" charset="0"/>
-              </a:rPr>
-              <a:t>, який описує конфігурацію автомобілів.</a:t>
-            </a:r>
-          </a:p>
-          <a:p>
-            <a:pPr algn="just">
-              <a:lnSpc>
-                <a:spcPct val="150000"/>
-              </a:lnSpc>
-              <a:buSzPts val="1400"/>
-            </a:pPr>
-            <a:r>
-              <a:rPr lang="ru-RU" sz="1800" spc="0" dirty="0" err="1">
-                <a:effectLst/>
-                <a:latin typeface="+mj-lt"/>
-                <a:ea typeface="Arial" panose="020B0604020202020204" pitchFamily="34" charset="0"/>
-                <a:cs typeface="Arial" panose="020B0604020202020204" pitchFamily="34" charset="0"/>
-              </a:rPr>
-              <a:t>CarManager</a:t>
-            </a:r>
-            <a:r>
-              <a:rPr lang="ru-RU" sz="1800" spc="0" dirty="0">
-                <a:effectLst/>
-                <a:latin typeface="+mj-lt"/>
-                <a:ea typeface="Arial" panose="020B0604020202020204" pitchFamily="34" charset="0"/>
-                <a:cs typeface="Arial" panose="020B0604020202020204" pitchFamily="34" charset="0"/>
-              </a:rPr>
-              <a:t> – </a:t>
-            </a:r>
-            <a:r>
-              <a:rPr lang="uk-UA" sz="1800" spc="0" dirty="0">
-                <a:effectLst/>
-                <a:latin typeface="+mj-lt"/>
-                <a:ea typeface="Arial" panose="020B0604020202020204" pitchFamily="34" charset="0"/>
-                <a:cs typeface="Arial" panose="020B0604020202020204" pitchFamily="34" charset="0"/>
-              </a:rPr>
-              <a:t>клас нащадок </a:t>
-            </a:r>
-            <a:r>
-              <a:rPr lang="en-US" sz="1800" spc="0" dirty="0">
-                <a:effectLst/>
-                <a:latin typeface="+mj-lt"/>
-                <a:ea typeface="Arial" panose="020B0604020202020204" pitchFamily="34" charset="0"/>
-                <a:cs typeface="Arial" panose="020B0604020202020204" pitchFamily="34" charset="0"/>
-              </a:rPr>
-              <a:t>Car</a:t>
-            </a:r>
-            <a:r>
-              <a:rPr lang="uk-UA" sz="1800" spc="0" dirty="0">
-                <a:effectLst/>
-                <a:latin typeface="+mj-lt"/>
-                <a:ea typeface="Arial" panose="020B0604020202020204" pitchFamily="34" charset="0"/>
-                <a:cs typeface="Arial" panose="020B0604020202020204" pitchFamily="34" charset="0"/>
-              </a:rPr>
-              <a:t>, менеджер-клас для керування колекцією автомобілів. Реалізує всю бізнес-логіку програми: CRUD-операції, завантаження/збереження, пошук, сортування, фільтрацію та аналітику.</a:t>
-            </a:r>
-          </a:p>
-          <a:p>
-            <a:pPr algn="just">
-              <a:lnSpc>
-                <a:spcPct val="150000"/>
-              </a:lnSpc>
-              <a:buSzPts val="1400"/>
-            </a:pPr>
-            <a:r>
-              <a:rPr lang="ru-RU" sz="1800" spc="0" dirty="0" err="1">
-                <a:effectLst/>
-                <a:latin typeface="+mj-lt"/>
-                <a:ea typeface="Arial" panose="020B0604020202020204" pitchFamily="34" charset="0"/>
-                <a:cs typeface="Arial" panose="020B0604020202020204" pitchFamily="34" charset="0"/>
-              </a:rPr>
-              <a:t>AuthManager</a:t>
-            </a:r>
-            <a:r>
-              <a:rPr lang="ru-RU" sz="1800" spc="0" dirty="0">
-                <a:effectLst/>
-                <a:latin typeface="+mj-lt"/>
-                <a:ea typeface="Arial" panose="020B0604020202020204" pitchFamily="34" charset="0"/>
-                <a:cs typeface="Arial" panose="020B0604020202020204" pitchFamily="34" charset="0"/>
-              </a:rPr>
-              <a:t> – </a:t>
-            </a:r>
-            <a:r>
-              <a:rPr lang="uk-UA" sz="1800" spc="0" dirty="0">
-                <a:effectLst/>
-                <a:latin typeface="+mj-lt"/>
-                <a:ea typeface="Arial" panose="020B0604020202020204" pitchFamily="34" charset="0"/>
-                <a:cs typeface="Arial" panose="020B0604020202020204" pitchFamily="34" charset="0"/>
-              </a:rPr>
-              <a:t>клас для управління авторизаціє</a:t>
-            </a:r>
-            <a:r>
-              <a:rPr lang="ru-RU" sz="1800" spc="0" dirty="0">
-                <a:effectLst/>
-                <a:latin typeface="+mj-lt"/>
-                <a:ea typeface="Arial" panose="020B0604020202020204" pitchFamily="34" charset="0"/>
-                <a:cs typeface="Arial" panose="020B0604020202020204" pitchFamily="34" charset="0"/>
-              </a:rPr>
-              <a:t>.</a:t>
-            </a:r>
-            <a:endParaRPr lang="uk-UA" sz="1800" spc="0" dirty="0">
-              <a:effectLst/>
-              <a:latin typeface="+mj-lt"/>
-              <a:ea typeface="Arial" panose="020B0604020202020204" pitchFamily="34" charset="0"/>
-              <a:cs typeface="Arial" panose="020B0604020202020204" pitchFamily="34" charset="0"/>
-            </a:endParaRPr>
-          </a:p>
-          <a:p>
-            <a:pPr algn="just">
-              <a:lnSpc>
-                <a:spcPct val="150000"/>
-              </a:lnSpc>
-              <a:buSzPts val="1400"/>
-            </a:pPr>
-            <a:r>
-              <a:rPr lang="ru-RU" sz="1800" spc="0" dirty="0" err="1">
-                <a:effectLst/>
-                <a:latin typeface="+mj-lt"/>
-                <a:ea typeface="Arial" panose="020B0604020202020204" pitchFamily="34" charset="0"/>
-                <a:cs typeface="Arial" panose="020B0604020202020204" pitchFamily="34" charset="0"/>
-              </a:rPr>
-              <a:t>IPrintable</a:t>
-            </a:r>
-            <a:r>
-              <a:rPr lang="ru-RU" sz="1800" spc="0" dirty="0">
-                <a:effectLst/>
-                <a:latin typeface="+mj-lt"/>
-                <a:ea typeface="Arial" panose="020B0604020202020204" pitchFamily="34" charset="0"/>
-                <a:cs typeface="Arial" panose="020B0604020202020204" pitchFamily="34" charset="0"/>
-              </a:rPr>
-              <a:t> – </a:t>
-            </a:r>
-            <a:r>
-              <a:rPr lang="uk-UA" sz="1800" spc="0" dirty="0">
-                <a:effectLst/>
-                <a:latin typeface="+mj-lt"/>
-                <a:ea typeface="Arial" panose="020B0604020202020204" pitchFamily="34" charset="0"/>
-                <a:cs typeface="Arial" panose="020B0604020202020204" pitchFamily="34" charset="0"/>
-              </a:rPr>
-              <a:t>клас інтерфейс всі класи що наслідують його </a:t>
-            </a:r>
-            <a:r>
-              <a:rPr lang="uk-UA" sz="1800" spc="0" dirty="0" err="1">
-                <a:effectLst/>
-                <a:latin typeface="+mj-lt"/>
-                <a:ea typeface="Arial" panose="020B0604020202020204" pitchFamily="34" charset="0"/>
-                <a:cs typeface="Arial" panose="020B0604020202020204" pitchFamily="34" charset="0"/>
-              </a:rPr>
-              <a:t>зообовязанні</a:t>
-            </a:r>
-            <a:r>
-              <a:rPr lang="uk-UA" sz="1800" spc="0" dirty="0">
-                <a:effectLst/>
-                <a:latin typeface="+mj-lt"/>
-                <a:ea typeface="Arial" panose="020B0604020202020204" pitchFamily="34" charset="0"/>
-                <a:cs typeface="Arial" panose="020B0604020202020204" pitchFamily="34" charset="0"/>
-              </a:rPr>
-              <a:t> представити реалізацію методів </a:t>
-            </a:r>
-            <a:r>
-              <a:rPr lang="en-US" sz="1800" spc="0" dirty="0">
-                <a:effectLst/>
-                <a:latin typeface="+mj-lt"/>
-                <a:ea typeface="Arial" panose="020B0604020202020204" pitchFamily="34" charset="0"/>
-                <a:cs typeface="Arial" panose="020B0604020202020204" pitchFamily="34" charset="0"/>
-              </a:rPr>
-              <a:t>Print() and </a:t>
-            </a:r>
-            <a:r>
-              <a:rPr lang="en-US" sz="1800" spc="0" dirty="0" err="1">
-                <a:effectLst/>
-                <a:latin typeface="+mj-lt"/>
-                <a:ea typeface="Arial" panose="020B0604020202020204" pitchFamily="34" charset="0"/>
-                <a:cs typeface="Arial" panose="020B0604020202020204" pitchFamily="34" charset="0"/>
-              </a:rPr>
-              <a:t>ToCSV</a:t>
-            </a:r>
-            <a:r>
-              <a:rPr lang="en-US" sz="1800" spc="0" dirty="0">
-                <a:effectLst/>
-                <a:latin typeface="+mj-lt"/>
-                <a:ea typeface="Arial" panose="020B0604020202020204" pitchFamily="34" charset="0"/>
-                <a:cs typeface="Arial" panose="020B0604020202020204" pitchFamily="34" charset="0"/>
-              </a:rPr>
-              <a:t>()</a:t>
-            </a:r>
-            <a:r>
-              <a:rPr lang="uk-UA" sz="1800" spc="0" dirty="0">
-                <a:effectLst/>
-                <a:latin typeface="+mj-lt"/>
-                <a:ea typeface="Arial" panose="020B0604020202020204" pitchFamily="34" charset="0"/>
-                <a:cs typeface="Arial" panose="020B0604020202020204" pitchFamily="34" charset="0"/>
-              </a:rPr>
-              <a:t>.</a:t>
-            </a:r>
-          </a:p>
-        </p:txBody>
-      </p:sp>
+      <p:pic>
+        <p:nvPicPr>
+          <p:cNvPr id="3" name="Рисунок 2">
+            <a:extLst>
+              <a:ext uri="{FF2B5EF4-FFF2-40B4-BE49-F238E27FC236}">
+                <a16:creationId xmlns:a16="http://schemas.microsoft.com/office/drawing/2014/main" id="{D6D4A4BB-4C86-4CD2-9227-AAC5B3DB6164}"/>
+              </a:ext>
+            </a:extLst>
+          </p:cNvPr>
+          <p:cNvPicPr>
+            <a:picLocks noChangeAspect="1"/>
+          </p:cNvPicPr>
+          <p:nvPr/>
+        </p:nvPicPr>
+        <p:blipFill>
+          <a:blip r:embed="rId2"/>
+          <a:stretch>
+            <a:fillRect/>
+          </a:stretch>
+        </p:blipFill>
+        <p:spPr>
+          <a:xfrm>
+            <a:off x="121920" y="183638"/>
+            <a:ext cx="4450080" cy="3245362"/>
+          </a:xfrm>
+          <a:prstGeom prst="rect">
+            <a:avLst/>
+          </a:prstGeom>
+        </p:spPr>
+      </p:pic>
+      <p:pic>
+        <p:nvPicPr>
+          <p:cNvPr id="5" name="Рисунок 4">
+            <a:extLst>
+              <a:ext uri="{FF2B5EF4-FFF2-40B4-BE49-F238E27FC236}">
+                <a16:creationId xmlns:a16="http://schemas.microsoft.com/office/drawing/2014/main" id="{FCBD6E90-6F4F-4D76-A0EF-27902C20D483}"/>
+              </a:ext>
+            </a:extLst>
+          </p:cNvPr>
+          <p:cNvPicPr>
+            <a:picLocks noChangeAspect="1"/>
+          </p:cNvPicPr>
+          <p:nvPr/>
+        </p:nvPicPr>
+        <p:blipFill>
+          <a:blip r:embed="rId3"/>
+          <a:stretch>
+            <a:fillRect/>
+          </a:stretch>
+        </p:blipFill>
+        <p:spPr>
+          <a:xfrm>
+            <a:off x="4754880" y="185895"/>
+            <a:ext cx="4099560" cy="3243105"/>
+          </a:xfrm>
+          <a:prstGeom prst="rect">
+            <a:avLst/>
+          </a:prstGeom>
+        </p:spPr>
+      </p:pic>
+      <p:pic>
+        <p:nvPicPr>
+          <p:cNvPr id="7" name="Рисунок 6">
+            <a:extLst>
+              <a:ext uri="{FF2B5EF4-FFF2-40B4-BE49-F238E27FC236}">
+                <a16:creationId xmlns:a16="http://schemas.microsoft.com/office/drawing/2014/main" id="{BAF85358-EF06-46FF-859C-4FD37411D06E}"/>
+              </a:ext>
+            </a:extLst>
+          </p:cNvPr>
+          <p:cNvPicPr>
+            <a:picLocks noChangeAspect="1"/>
+          </p:cNvPicPr>
+          <p:nvPr/>
+        </p:nvPicPr>
+        <p:blipFill>
+          <a:blip r:embed="rId4"/>
+          <a:stretch>
+            <a:fillRect/>
+          </a:stretch>
+        </p:blipFill>
+        <p:spPr>
+          <a:xfrm>
+            <a:off x="121919" y="3429001"/>
+            <a:ext cx="4123691" cy="3429000"/>
+          </a:xfrm>
+          <a:prstGeom prst="rect">
+            <a:avLst/>
+          </a:prstGeom>
+        </p:spPr>
+      </p:pic>
+      <p:pic>
+        <p:nvPicPr>
+          <p:cNvPr id="9" name="Рисунок 8">
+            <a:extLst>
+              <a:ext uri="{FF2B5EF4-FFF2-40B4-BE49-F238E27FC236}">
+                <a16:creationId xmlns:a16="http://schemas.microsoft.com/office/drawing/2014/main" id="{27B98693-D311-439D-9BF8-8345009B4B50}"/>
+              </a:ext>
+            </a:extLst>
+          </p:cNvPr>
+          <p:cNvPicPr>
+            <a:picLocks noChangeAspect="1"/>
+          </p:cNvPicPr>
+          <p:nvPr/>
+        </p:nvPicPr>
+        <p:blipFill>
+          <a:blip r:embed="rId5"/>
+          <a:stretch>
+            <a:fillRect/>
+          </a:stretch>
+        </p:blipFill>
+        <p:spPr>
+          <a:xfrm>
+            <a:off x="4572000" y="3581400"/>
+            <a:ext cx="4450081" cy="2048646"/>
+          </a:xfrm>
+          <a:prstGeom prst="rect">
+            <a:avLst/>
+          </a:prstGeom>
+        </p:spPr>
+      </p:pic>
     </p:spTree>
+    <p:extLst>
+      <p:ext uri="{BB962C8B-B14F-4D97-AF65-F5344CB8AC3E}">
+        <p14:creationId xmlns:p14="http://schemas.microsoft.com/office/powerpoint/2010/main" val="360153273"/>
+      </p:ext>
+    </p:extLst>
   </p:cSld>
   <p:clrMapOvr>
     <a:masterClrMapping/>
@@ -5749,163 +6419,72 @@
           <a:chExt cx="0" cy="0"/>
         </a:xfrm>
       </p:grpSpPr>
-      <p:sp>
-        <p:nvSpPr>
-          <p:cNvPr id="2" name="Title 1"/>
-          <p:cNvSpPr>
-            <a:spLocks noGrp="1"/>
-          </p:cNvSpPr>
-          <p:nvPr>
-            <p:ph type="title"/>
-          </p:nvPr>
-        </p:nvSpPr>
-        <p:spPr/>
-        <p:txBody>
-          <a:bodyPr/>
-          <a:lstStyle/>
-          <a:p>
-            <a:r>
-              <a:rPr sz="3600" b="1">
-                <a:latin typeface="Calibri"/>
-              </a:rPr>
-              <a:t>Функції програми</a:t>
-            </a:r>
-          </a:p>
-        </p:txBody>
-      </p:sp>
-      <p:sp>
-        <p:nvSpPr>
-          <p:cNvPr id="3" name="Content Placeholder 2"/>
-          <p:cNvSpPr>
-            <a:spLocks noGrp="1"/>
-          </p:cNvSpPr>
-          <p:nvPr>
-            <p:ph idx="1"/>
-          </p:nvPr>
-        </p:nvSpPr>
-        <p:spPr/>
-        <p:txBody>
-          <a:bodyPr/>
-          <a:lstStyle/>
-          <a:p>
-            <a:r>
-              <a:rPr sz="2800" dirty="0">
-                <a:solidFill>
-                  <a:srgbClr val="000000"/>
-                </a:solidFill>
-                <a:latin typeface="Calibri"/>
-              </a:rPr>
-              <a:t>CRUD</a:t>
-            </a:r>
-          </a:p>
-          <a:p>
-            <a:r>
-              <a:rPr sz="2800" dirty="0" err="1">
-                <a:solidFill>
-                  <a:srgbClr val="000000"/>
-                </a:solidFill>
-                <a:latin typeface="Calibri"/>
-              </a:rPr>
-              <a:t>Завантаження</a:t>
-            </a:r>
-            <a:r>
-              <a:rPr sz="2800" dirty="0">
-                <a:solidFill>
-                  <a:srgbClr val="000000"/>
-                </a:solidFill>
-                <a:latin typeface="Calibri"/>
-              </a:rPr>
-              <a:t>/</a:t>
-            </a:r>
-            <a:r>
-              <a:rPr sz="2800" dirty="0" err="1">
-                <a:solidFill>
-                  <a:srgbClr val="000000"/>
-                </a:solidFill>
-                <a:latin typeface="Calibri"/>
-              </a:rPr>
-              <a:t>збереження</a:t>
-            </a:r>
-            <a:endParaRPr sz="2800" dirty="0">
-              <a:solidFill>
-                <a:srgbClr val="000000"/>
-              </a:solidFill>
-              <a:latin typeface="Calibri"/>
-            </a:endParaRPr>
-          </a:p>
-          <a:p>
-            <a:r>
-              <a:rPr sz="2800" dirty="0" err="1">
-                <a:solidFill>
-                  <a:srgbClr val="000000"/>
-                </a:solidFill>
-                <a:latin typeface="Calibri"/>
-              </a:rPr>
-              <a:t>Пошук</a:t>
-            </a:r>
-            <a:r>
-              <a:rPr sz="2800" dirty="0">
-                <a:solidFill>
-                  <a:srgbClr val="000000"/>
-                </a:solidFill>
-                <a:latin typeface="Calibri"/>
-              </a:rPr>
-              <a:t>, </a:t>
-            </a:r>
-            <a:r>
-              <a:rPr sz="2800" dirty="0" err="1">
-                <a:solidFill>
-                  <a:srgbClr val="000000"/>
-                </a:solidFill>
-                <a:latin typeface="Calibri"/>
-              </a:rPr>
-              <a:t>сортування</a:t>
-            </a:r>
-            <a:r>
-              <a:rPr sz="2800" dirty="0">
-                <a:solidFill>
-                  <a:srgbClr val="000000"/>
-                </a:solidFill>
-                <a:latin typeface="Calibri"/>
-              </a:rPr>
-              <a:t>, </a:t>
-            </a:r>
-            <a:r>
-              <a:rPr sz="2800" dirty="0" err="1">
-                <a:solidFill>
-                  <a:srgbClr val="000000"/>
-                </a:solidFill>
-                <a:latin typeface="Calibri"/>
-              </a:rPr>
-              <a:t>фільтрація</a:t>
-            </a:r>
-            <a:endParaRPr sz="2800" dirty="0">
-              <a:solidFill>
-                <a:srgbClr val="000000"/>
-              </a:solidFill>
-              <a:latin typeface="Calibri"/>
-            </a:endParaRPr>
-          </a:p>
-          <a:p>
-            <a:r>
-              <a:rPr sz="2800" dirty="0" err="1">
-                <a:solidFill>
-                  <a:srgbClr val="000000"/>
-                </a:solidFill>
-                <a:latin typeface="Calibri"/>
-              </a:rPr>
-              <a:t>Авторизація</a:t>
-            </a:r>
-            <a:endParaRPr sz="2800" dirty="0">
-              <a:solidFill>
-                <a:srgbClr val="000000"/>
-              </a:solidFill>
-              <a:latin typeface="Calibri"/>
-            </a:endParaRPr>
-          </a:p>
-        </p:txBody>
-      </p:sp>
+      <p:pic>
+        <p:nvPicPr>
+          <p:cNvPr id="3" name="Рисунок 2">
+            <a:extLst>
+              <a:ext uri="{FF2B5EF4-FFF2-40B4-BE49-F238E27FC236}">
+                <a16:creationId xmlns:a16="http://schemas.microsoft.com/office/drawing/2014/main" id="{AF6A1BBE-9EB2-4E12-A082-6601D7A12F72}"/>
+              </a:ext>
+            </a:extLst>
+          </p:cNvPr>
+          <p:cNvPicPr>
+            <a:picLocks noChangeAspect="1"/>
+          </p:cNvPicPr>
+          <p:nvPr/>
+        </p:nvPicPr>
+        <p:blipFill>
+          <a:blip r:embed="rId2"/>
+          <a:stretch>
+            <a:fillRect/>
+          </a:stretch>
+        </p:blipFill>
+        <p:spPr>
+          <a:xfrm>
+            <a:off x="60960" y="141710"/>
+            <a:ext cx="6782747" cy="3038899"/>
+          </a:xfrm>
+          <a:prstGeom prst="rect">
+            <a:avLst/>
+          </a:prstGeom>
+        </p:spPr>
+      </p:pic>
+      <p:pic>
+        <p:nvPicPr>
+          <p:cNvPr id="5" name="Рисунок 4">
+            <a:extLst>
+              <a:ext uri="{FF2B5EF4-FFF2-40B4-BE49-F238E27FC236}">
+                <a16:creationId xmlns:a16="http://schemas.microsoft.com/office/drawing/2014/main" id="{AB39F439-AC73-4A9E-AC16-C6C79CCE3206}"/>
+              </a:ext>
+            </a:extLst>
+          </p:cNvPr>
+          <p:cNvPicPr>
+            <a:picLocks noChangeAspect="1"/>
+          </p:cNvPicPr>
+          <p:nvPr/>
+        </p:nvPicPr>
+        <p:blipFill>
+          <a:blip r:embed="rId3"/>
+          <a:stretch>
+            <a:fillRect/>
+          </a:stretch>
+        </p:blipFill>
+        <p:spPr>
+          <a:xfrm>
+            <a:off x="283367" y="3515888"/>
+            <a:ext cx="7488448" cy="2534391"/>
+          </a:xfrm>
+          <a:prstGeom prst="rect">
+            <a:avLst/>
+          </a:prstGeom>
+        </p:spPr>
+      </p:pic>
     </p:spTree>
+    <p:extLst>
+      <p:ext uri="{BB962C8B-B14F-4D97-AF65-F5344CB8AC3E}">
+        <p14:creationId xmlns:p14="http://schemas.microsoft.com/office/powerpoint/2010/main" val="2158838984"/>
+      </p:ext>
+    </p:extLst>
   </p:cSld>
   <p:clrMapOvr>
     <a:masterClrMapping/>
@@ -5949,7 +6528,7 @@
               <a:rPr sz="3600" b="1" dirty="0" err="1">
                 <a:latin typeface="Calibri"/>
               </a:rPr>
-              <a:t>Інтерфейс</a:t>
+              <a:t>Основні</a:t>
             </a:r>
             <a:r>
               <a:rPr sz="3600" b="1" dirty="0">
@@ -5961,23 +6540,163 @@
               <a:rPr sz="3600" b="1" dirty="0" err="1">
                 <a:latin typeface="Calibri"/>
               </a:rPr>
-              <a:t>програми</a:t>
-            </a:r>
-            <a:r>
-              <a:rPr sz="3600" b="1" dirty="0">
+              <a:t>алгоритми</a:t>
+            </a:r>
+            <a:endParaRPr sz="3600" b="1" dirty="0">
+              <a:latin typeface="Calibri"/>
+            </a:endParaRPr>
+          </a:p>
+        </p:txBody>
+      </p:sp>
+      <p:sp>
+        <p:nvSpPr>
+          <p:cNvPr id="3" name="Content Placeholder 2"/>
+          <p:cNvSpPr>
+            <a:spLocks noGrp="1"/>
+          </p:cNvSpPr>
+          <p:nvPr>
+            <p:ph idx="1"/>
+          </p:nvPr>
+        </p:nvSpPr>
+        <p:spPr>
+          <a:xfrm>
+            <a:off x="457200" y="1084811"/>
+            <a:ext cx="8229600" cy="4525963"/>
+          </a:xfrm>
+        </p:spPr>
+        <p:txBody>
+          <a:bodyPr/>
+          <a:lstStyle/>
+          <a:p>
+            <a:r>
+              <a:rPr sz="2800" dirty="0">
+                <a:solidFill>
+                  <a:srgbClr val="000000"/>
+                </a:solidFill>
                 <a:latin typeface="Calibri"/>
               </a:rPr>
-              <a:t> </a:t>
-            </a:r>
+              <a:t>• </a:t>
+            </a:r>
+            <a:r>
+              <a:rPr sz="2800" dirty="0" err="1">
+                <a:solidFill>
+                  <a:srgbClr val="000000"/>
+                </a:solidFill>
+                <a:latin typeface="Calibri"/>
+              </a:rPr>
+              <a:t>Додавання</a:t>
+            </a:r>
+            <a:endParaRPr sz="2800" dirty="0">
+              <a:solidFill>
+                <a:srgbClr val="000000"/>
+              </a:solidFill>
+              <a:latin typeface="Calibri"/>
+            </a:endParaRPr>
+          </a:p>
+          <a:p>
+            <a:r>
+              <a:rPr sz="2800" dirty="0">
+                <a:solidFill>
+                  <a:srgbClr val="000000"/>
+                </a:solidFill>
+                <a:latin typeface="Calibri"/>
+              </a:rPr>
+              <a:t>• </a:t>
+            </a:r>
+            <a:r>
+              <a:rPr sz="2800" dirty="0" err="1">
+                <a:solidFill>
+                  <a:srgbClr val="000000"/>
+                </a:solidFill>
+                <a:latin typeface="Calibri"/>
+              </a:rPr>
+              <a:t>Редагування</a:t>
+            </a:r>
+            <a:endParaRPr sz="2800" dirty="0">
+              <a:solidFill>
+                <a:srgbClr val="000000"/>
+              </a:solidFill>
+              <a:latin typeface="Calibri"/>
+            </a:endParaRPr>
+          </a:p>
+          <a:p>
+            <a:r>
+              <a:rPr sz="2800" dirty="0">
+                <a:solidFill>
+                  <a:srgbClr val="000000"/>
+                </a:solidFill>
+                <a:latin typeface="Calibri"/>
+              </a:rPr>
+              <a:t>• </a:t>
+            </a:r>
+            <a:r>
+              <a:rPr sz="2800" dirty="0" err="1">
+                <a:solidFill>
+                  <a:srgbClr val="000000"/>
+                </a:solidFill>
+                <a:latin typeface="Calibri"/>
+              </a:rPr>
+              <a:t>Видалення</a:t>
+            </a:r>
+            <a:endParaRPr sz="2800" dirty="0">
+              <a:solidFill>
+                <a:srgbClr val="000000"/>
+              </a:solidFill>
+              <a:latin typeface="Calibri"/>
+            </a:endParaRPr>
+          </a:p>
+          <a:p>
+            <a:r>
+              <a:rPr sz="2800" dirty="0">
+                <a:solidFill>
+                  <a:srgbClr val="000000"/>
+                </a:solidFill>
+                <a:latin typeface="Calibri"/>
+              </a:rPr>
+              <a:t>• </a:t>
+            </a:r>
+            <a:r>
+              <a:rPr sz="2800" dirty="0" err="1">
+                <a:solidFill>
+                  <a:srgbClr val="000000"/>
+                </a:solidFill>
+                <a:latin typeface="Calibri"/>
+              </a:rPr>
+              <a:t>Перегляд</a:t>
+            </a:r>
+            <a:r>
+              <a:rPr sz="2800" dirty="0">
+                <a:solidFill>
+                  <a:srgbClr val="000000"/>
+                </a:solidFill>
+                <a:latin typeface="Calibri"/>
+              </a:rPr>
+              <a:t> і </a:t>
+            </a:r>
+            <a:r>
+              <a:rPr sz="2800" dirty="0" err="1">
+                <a:solidFill>
+                  <a:srgbClr val="000000"/>
+                </a:solidFill>
+                <a:latin typeface="Calibri"/>
+              </a:rPr>
+              <a:t>сортування</a:t>
+            </a:r>
+            <a:endParaRPr sz="2800" dirty="0">
+              <a:solidFill>
+                <a:srgbClr val="000000"/>
+              </a:solidFill>
+              <a:latin typeface="Calibri"/>
+            </a:endParaRPr>
           </a:p>
         </p:txBody>
       </p:sp>
       <p:pic>
         <p:nvPicPr>
-          <p:cNvPr id="9" name="Рисунок 8">
+          <p:cNvPr id="5" name="Рисунок 4">
             <a:extLst>
               <a:ext uri="{FF2B5EF4-FFF2-40B4-BE49-F238E27FC236}">
-                <a16:creationId xmlns:a16="http://schemas.microsoft.com/office/drawing/2014/main" id="{1C2AA76F-DB85-460F-A461-037417CD4F51}"/>
+                <a16:creationId xmlns:a16="http://schemas.microsoft.com/office/drawing/2014/main" id="{7F0BCB04-9AB9-4A38-8557-F2807AE10C8E}"/>
               </a:ext>
             </a:extLst>
           </p:cNvPr>
@@ -5994,109 +6713,14 @@
         </p:blipFill>
         <p:spPr>
           <a:xfrm>
-            <a:off x="239564" y="1206555"/>
-            <a:ext cx="5439534" cy="1286054"/>
+            <a:off x="6414581" y="1005840"/>
+            <a:ext cx="2552069" cy="5663062"/>
           </a:xfrm>
           <a:prstGeom prst="rect">
             <a:avLst/>
           </a:prstGeom>
         </p:spPr>
       </p:pic>
-      <p:pic>
-        <p:nvPicPr>
-          <p:cNvPr id="11" name="Рисунок 10">
-            <a:extLst>
-              <a:ext uri="{FF2B5EF4-FFF2-40B4-BE49-F238E27FC236}">
-                <a16:creationId xmlns:a16="http://schemas.microsoft.com/office/drawing/2014/main" id="{FE4A74DE-ACAF-4CE4-98B7-4E02981948D2}"/>
-              </a:ext>
-            </a:extLst>
-          </p:cNvPr>
-          <p:cNvPicPr>
-            <a:picLocks noChangeAspect="1"/>
-          </p:cNvPicPr>
-          <p:nvPr/>
-        </p:nvPicPr>
-        <p:blipFill>
-          <a:blip r:embed="rId3"/>
-          <a:stretch>
-            <a:fillRect/>
-          </a:stretch>
-        </p:blipFill>
-        <p:spPr>
-          <a:xfrm>
-            <a:off x="457200" y="2834143"/>
-            <a:ext cx="5087060" cy="3400900"/>
-          </a:xfrm>
-          <a:prstGeom prst="rect">
-            <a:avLst/>
-          </a:prstGeom>
-        </p:spPr>
-      </p:pic>
-      <p:pic>
-        <p:nvPicPr>
-          <p:cNvPr id="4" name="Рисунок 3">
-            <a:extLst>
-              <a:ext uri="{FF2B5EF4-FFF2-40B4-BE49-F238E27FC236}">
-                <a16:creationId xmlns:a16="http://schemas.microsoft.com/office/drawing/2014/main" id="{E3D29F23-EA7C-4C7E-A632-D7F3CD71A0DE}"/>
-              </a:ext>
-            </a:extLst>
-          </p:cNvPr>
-          <p:cNvPicPr>
-            <a:picLocks noChangeAspect="1"/>
-          </p:cNvPicPr>
-          <p:nvPr/>
-        </p:nvPicPr>
-        <p:blipFill>
-          <a:blip r:embed="rId4"/>
-          <a:stretch>
-            <a:fillRect/>
-          </a:stretch>
-        </p:blipFill>
-        <p:spPr>
-          <a:xfrm>
-            <a:off x="3162678" y="5935288"/>
-            <a:ext cx="2381582" cy="299756"/>
-          </a:xfrm>
-          <a:prstGeom prst="rect">
-            <a:avLst/>
-          </a:prstGeom>
-        </p:spPr>
-      </p:pic>
-      <p:sp>
-        <p:nvSpPr>
-          <p:cNvPr id="5" name="TextBox 4">
-            <a:extLst>
-              <a:ext uri="{FF2B5EF4-FFF2-40B4-BE49-F238E27FC236}">
-                <a16:creationId xmlns:a16="http://schemas.microsoft.com/office/drawing/2014/main" id="{BFD30BB6-447F-4306-8129-110005D08542}"/>
-              </a:ext>
-            </a:extLst>
-          </p:cNvPr>
-          <p:cNvSpPr txBox="1"/>
-          <p:nvPr/>
-        </p:nvSpPr>
-        <p:spPr>
-          <a:xfrm>
-            <a:off x="3191699" y="5935288"/>
-            <a:ext cx="2323540" cy="307777"/>
-          </a:xfrm>
-          <a:prstGeom prst="rect">
-            <a:avLst/>
-          </a:prstGeom>
-          <a:noFill/>
-        </p:spPr>
-        <p:txBody>
-          <a:bodyPr wrap="square" rtlCol="0">
-            <a:spAutoFit/>
-          </a:bodyPr>
-          <a:lstStyle/>
-          <a:p>
-            <a:r>
-              <a:rPr lang="uk-UA" sz="1400" dirty="0"/>
-              <a:t>- Меню адміністратора</a:t>
-            </a:r>
-          </a:p>
-        </p:txBody>
-      </p:sp>
     </p:spTree>
   </p:cSld>
   <p:clrMapOvr>

--- a/documentation/Презентація_стильова.pptx
+++ b/documentation/Презентація_стильова.pptx
@@ -320,7 +320,7 @@
           <a:p>
             <a:fld id="{5BCAD085-E8A6-8845-BD4E-CB4CCA059FC4}" type="datetimeFigureOut">
               <a:rPr lang="en-US" smtClean="0"/>
-              <a:t>11/24/2025</a:t>
+              <a:t>11/25/2025</a:t>
             </a:fld>
             <a:endParaRPr lang="en-US"/>
           </a:p>
@@ -488,7 +488,7 @@
           <a:p>
             <a:fld id="{5BCAD085-E8A6-8845-BD4E-CB4CCA059FC4}" type="datetimeFigureOut">
               <a:rPr lang="en-US" smtClean="0"/>
-              <a:t>11/24/2025</a:t>
+              <a:t>11/25/2025</a:t>
             </a:fld>
             <a:endParaRPr lang="en-US"/>
           </a:p>
@@ -666,7 +666,7 @@
           <a:p>
             <a:fld id="{5BCAD085-E8A6-8845-BD4E-CB4CCA059FC4}" type="datetimeFigureOut">
               <a:rPr lang="en-US" smtClean="0"/>
-              <a:t>11/24/2025</a:t>
+              <a:t>11/25/2025</a:t>
             </a:fld>
             <a:endParaRPr lang="en-US"/>
           </a:p>
@@ -834,7 +834,7 @@
           <a:p>
             <a:fld id="{5BCAD085-E8A6-8845-BD4E-CB4CCA059FC4}" type="datetimeFigureOut">
               <a:rPr lang="en-US" smtClean="0"/>
-              <a:t>11/24/2025</a:t>
+              <a:t>11/25/2025</a:t>
             </a:fld>
             <a:endParaRPr lang="en-US"/>
           </a:p>
@@ -1079,7 +1079,7 @@
           <a:p>
             <a:fld id="{5BCAD085-E8A6-8845-BD4E-CB4CCA059FC4}" type="datetimeFigureOut">
               <a:rPr lang="en-US" smtClean="0"/>
-              <a:t>11/24/2025</a:t>
+              <a:t>11/25/2025</a:t>
             </a:fld>
             <a:endParaRPr lang="en-US"/>
           </a:p>
@@ -1364,7 +1364,7 @@
           <a:p>
             <a:fld id="{5BCAD085-E8A6-8845-BD4E-CB4CCA059FC4}" type="datetimeFigureOut">
               <a:rPr lang="en-US" smtClean="0"/>
-              <a:t>11/24/2025</a:t>
+              <a:t>11/25/2025</a:t>
             </a:fld>
             <a:endParaRPr lang="en-US"/>
           </a:p>
@@ -1783,7 +1783,7 @@
           <a:p>
             <a:fld id="{5BCAD085-E8A6-8845-BD4E-CB4CCA059FC4}" type="datetimeFigureOut">
               <a:rPr lang="en-US" smtClean="0"/>
-              <a:t>11/24/2025</a:t>
+              <a:t>11/25/2025</a:t>
             </a:fld>
             <a:endParaRPr lang="en-US"/>
           </a:p>
@@ -1900,7 +1900,7 @@
           <a:p>
             <a:fld id="{5BCAD085-E8A6-8845-BD4E-CB4CCA059FC4}" type="datetimeFigureOut">
               <a:rPr lang="en-US" smtClean="0"/>
-              <a:t>11/24/2025</a:t>
+              <a:t>11/25/2025</a:t>
             </a:fld>
             <a:endParaRPr lang="en-US"/>
           </a:p>
@@ -1995,7 +1995,7 @@
           <a:p>
             <a:fld id="{5BCAD085-E8A6-8845-BD4E-CB4CCA059FC4}" type="datetimeFigureOut">
               <a:rPr lang="en-US" smtClean="0"/>
-              <a:t>11/24/2025</a:t>
+              <a:t>11/25/2025</a:t>
             </a:fld>
             <a:endParaRPr lang="en-US"/>
           </a:p>
@@ -2270,7 +2270,7 @@
           <a:p>
             <a:fld id="{5BCAD085-E8A6-8845-BD4E-CB4CCA059FC4}" type="datetimeFigureOut">
               <a:rPr lang="en-US" smtClean="0"/>
-              <a:t>11/24/2025</a:t>
+              <a:t>11/25/2025</a:t>
             </a:fld>
             <a:endParaRPr lang="en-US"/>
           </a:p>
@@ -2522,7 +2522,7 @@
           <a:p>
             <a:fld id="{5BCAD085-E8A6-8845-BD4E-CB4CCA059FC4}" type="datetimeFigureOut">
               <a:rPr lang="en-US" smtClean="0"/>
-              <a:t>11/24/2025</a:t>
+              <a:t>11/25/2025</a:t>
             </a:fld>
             <a:endParaRPr lang="en-US"/>
           </a:p>
@@ -2733,7 +2733,7 @@
           <a:p>
             <a:fld id="{5BCAD085-E8A6-8845-BD4E-CB4CCA059FC4}" type="datetimeFigureOut">
               <a:rPr lang="en-US" smtClean="0"/>
-              <a:t>11/24/2025</a:t>
+              <a:t>11/25/2025</a:t>
             </a:fld>
             <a:endParaRPr lang="en-US"/>
           </a:p>
@@ -6575,7 +6575,7 @@
                 </a:solidFill>
                 <a:latin typeface="Calibri"/>
               </a:rPr>
-              <a:t>• </a:t>
+              <a:t> </a:t>
             </a:r>
             <a:r>
               <a:rPr sz="2800" dirty="0" err="1">
@@ -6601,7 +6601,7 @@
                 </a:solidFill>
                 <a:latin typeface="Calibri"/>
               </a:rPr>
-              <a:t>• </a:t>
+              <a:t> </a:t>
             </a:r>
             <a:r>
               <a:rPr sz="2800" dirty="0" err="1">
@@ -6627,7 +6627,7 @@
                 </a:solidFill>
                 <a:latin typeface="Calibri"/>
               </a:rPr>
-              <a:t>• </a:t>
+              <a:t> </a:t>
             </a:r>
             <a:r>
               <a:rPr sz="2800" dirty="0" err="1">
@@ -6653,7 +6653,7 @@
                 </a:solidFill>
                 <a:latin typeface="Calibri"/>
               </a:rPr>
-              <a:t>• </a:t>
+              <a:t> </a:t>
             </a:r>
             <a:r>
               <a:rPr sz="2800" dirty="0" err="1">
